--- a/Feb 7 2019.pptx
+++ b/Feb 7 2019.pptx
@@ -112,7 +112,7 @@
   </p:defaultTextStyle>
   <p:extLst>
     <p:ext uri="{EFAFB233-063F-42B5-8137-9DF3F51BA10A}">
-      <p15:sldGuideLst xmlns:p15="http://schemas.microsoft.com/office/powerpoint/2012/main">
+      <p15:sldGuideLst xmlns:p15="http://schemas.microsoft.com/office/powerpoint/2012/main" xmlns="">
         <p15:guide id="1" orient="horz" pos="2160">
           <p15:clr>
             <a:srgbClr val="A4A3A4"/>
@@ -151,7 +151,7 @@
           <p:cNvPr id="2" name="Title 1">
             <a:extLst>
               <a:ext uri="{FF2B5EF4-FFF2-40B4-BE49-F238E27FC236}">
-                <a16:creationId xmlns:a16="http://schemas.microsoft.com/office/drawing/2014/main" id="{E50D95AF-97A7-499E-A516-0490974DEC94}"/>
+                <a16:creationId xmlns:a16="http://schemas.microsoft.com/office/drawing/2014/main" xmlns="" id="{E50D95AF-97A7-499E-A516-0490974DEC94}"/>
               </a:ext>
             </a:extLst>
           </p:cNvPr>
@@ -188,7 +188,7 @@
           <p:cNvPr id="3" name="Subtitle 2">
             <a:extLst>
               <a:ext uri="{FF2B5EF4-FFF2-40B4-BE49-F238E27FC236}">
-                <a16:creationId xmlns:a16="http://schemas.microsoft.com/office/drawing/2014/main" id="{99CA7A50-BDD4-4DEC-AF24-2D06EF9634DB}"/>
+                <a16:creationId xmlns:a16="http://schemas.microsoft.com/office/drawing/2014/main" xmlns="" id="{99CA7A50-BDD4-4DEC-AF24-2D06EF9634DB}"/>
               </a:ext>
             </a:extLst>
           </p:cNvPr>
@@ -258,7 +258,7 @@
           <p:cNvPr id="4" name="Date Placeholder 3">
             <a:extLst>
               <a:ext uri="{FF2B5EF4-FFF2-40B4-BE49-F238E27FC236}">
-                <a16:creationId xmlns:a16="http://schemas.microsoft.com/office/drawing/2014/main" id="{BF90B57D-6A01-425A-B669-A64BDDF9520A}"/>
+                <a16:creationId xmlns:a16="http://schemas.microsoft.com/office/drawing/2014/main" xmlns="" id="{BF90B57D-6A01-425A-B669-A64BDDF9520A}"/>
               </a:ext>
             </a:extLst>
           </p:cNvPr>
@@ -276,7 +276,7 @@
           <a:p>
             <a:fld id="{4109A3AE-CEB5-4D63-8C4E-0A0F41805711}" type="datetimeFigureOut">
               <a:rPr lang="en-US" smtClean="0"/>
-              <a:t>2/1/2019</a:t>
+              <a:t>2/1/19</a:t>
             </a:fld>
             <a:endParaRPr lang="en-US"/>
           </a:p>
@@ -287,7 +287,7 @@
           <p:cNvPr id="5" name="Footer Placeholder 4">
             <a:extLst>
               <a:ext uri="{FF2B5EF4-FFF2-40B4-BE49-F238E27FC236}">
-                <a16:creationId xmlns:a16="http://schemas.microsoft.com/office/drawing/2014/main" id="{04F34A89-98DC-4476-A1B3-50C9DF9B1C8D}"/>
+                <a16:creationId xmlns:a16="http://schemas.microsoft.com/office/drawing/2014/main" xmlns="" id="{04F34A89-98DC-4476-A1B3-50C9DF9B1C8D}"/>
               </a:ext>
             </a:extLst>
           </p:cNvPr>
@@ -312,7 +312,7 @@
           <p:cNvPr id="6" name="Slide Number Placeholder 5">
             <a:extLst>
               <a:ext uri="{FF2B5EF4-FFF2-40B4-BE49-F238E27FC236}">
-                <a16:creationId xmlns:a16="http://schemas.microsoft.com/office/drawing/2014/main" id="{3C8DAE2B-FBBF-49F8-AED0-707CF5B4F7F5}"/>
+                <a16:creationId xmlns:a16="http://schemas.microsoft.com/office/drawing/2014/main" xmlns="" id="{3C8DAE2B-FBBF-49F8-AED0-707CF5B4F7F5}"/>
               </a:ext>
             </a:extLst>
           </p:cNvPr>
@@ -371,7 +371,7 @@
           <p:cNvPr id="2" name="Title 1">
             <a:extLst>
               <a:ext uri="{FF2B5EF4-FFF2-40B4-BE49-F238E27FC236}">
-                <a16:creationId xmlns:a16="http://schemas.microsoft.com/office/drawing/2014/main" id="{A94A6E80-0230-4D48-A5F9-33175B861FE9}"/>
+                <a16:creationId xmlns:a16="http://schemas.microsoft.com/office/drawing/2014/main" xmlns="" id="{A94A6E80-0230-4D48-A5F9-33175B861FE9}"/>
               </a:ext>
             </a:extLst>
           </p:cNvPr>
@@ -399,7 +399,7 @@
           <p:cNvPr id="3" name="Vertical Text Placeholder 2">
             <a:extLst>
               <a:ext uri="{FF2B5EF4-FFF2-40B4-BE49-F238E27FC236}">
-                <a16:creationId xmlns:a16="http://schemas.microsoft.com/office/drawing/2014/main" id="{73EC05D4-032C-43C7-AC9F-A2AE09D9BD3E}"/>
+                <a16:creationId xmlns:a16="http://schemas.microsoft.com/office/drawing/2014/main" xmlns="" id="{73EC05D4-032C-43C7-AC9F-A2AE09D9BD3E}"/>
               </a:ext>
             </a:extLst>
           </p:cNvPr>
@@ -456,7 +456,7 @@
           <p:cNvPr id="4" name="Date Placeholder 3">
             <a:extLst>
               <a:ext uri="{FF2B5EF4-FFF2-40B4-BE49-F238E27FC236}">
-                <a16:creationId xmlns:a16="http://schemas.microsoft.com/office/drawing/2014/main" id="{48FE22D8-3C90-48A5-8C22-ABF006C346BF}"/>
+                <a16:creationId xmlns:a16="http://schemas.microsoft.com/office/drawing/2014/main" xmlns="" id="{48FE22D8-3C90-48A5-8C22-ABF006C346BF}"/>
               </a:ext>
             </a:extLst>
           </p:cNvPr>
@@ -474,7 +474,7 @@
           <a:p>
             <a:fld id="{4109A3AE-CEB5-4D63-8C4E-0A0F41805711}" type="datetimeFigureOut">
               <a:rPr lang="en-US" smtClean="0"/>
-              <a:t>2/1/2019</a:t>
+              <a:t>2/1/19</a:t>
             </a:fld>
             <a:endParaRPr lang="en-US"/>
           </a:p>
@@ -485,7 +485,7 @@
           <p:cNvPr id="5" name="Footer Placeholder 4">
             <a:extLst>
               <a:ext uri="{FF2B5EF4-FFF2-40B4-BE49-F238E27FC236}">
-                <a16:creationId xmlns:a16="http://schemas.microsoft.com/office/drawing/2014/main" id="{56031874-2C7E-4276-8156-8042FC0F475E}"/>
+                <a16:creationId xmlns:a16="http://schemas.microsoft.com/office/drawing/2014/main" xmlns="" id="{56031874-2C7E-4276-8156-8042FC0F475E}"/>
               </a:ext>
             </a:extLst>
           </p:cNvPr>
@@ -510,7 +510,7 @@
           <p:cNvPr id="6" name="Slide Number Placeholder 5">
             <a:extLst>
               <a:ext uri="{FF2B5EF4-FFF2-40B4-BE49-F238E27FC236}">
-                <a16:creationId xmlns:a16="http://schemas.microsoft.com/office/drawing/2014/main" id="{AA6F1EBC-52C6-4C74-8594-3A37AFAEF254}"/>
+                <a16:creationId xmlns:a16="http://schemas.microsoft.com/office/drawing/2014/main" xmlns="" id="{AA6F1EBC-52C6-4C74-8594-3A37AFAEF254}"/>
               </a:ext>
             </a:extLst>
           </p:cNvPr>
@@ -569,7 +569,7 @@
           <p:cNvPr id="2" name="Vertical Title 1">
             <a:extLst>
               <a:ext uri="{FF2B5EF4-FFF2-40B4-BE49-F238E27FC236}">
-                <a16:creationId xmlns:a16="http://schemas.microsoft.com/office/drawing/2014/main" id="{C352BFF9-E495-4ADA-B60C-E121BB4991D2}"/>
+                <a16:creationId xmlns:a16="http://schemas.microsoft.com/office/drawing/2014/main" xmlns="" id="{C352BFF9-E495-4ADA-B60C-E121BB4991D2}"/>
               </a:ext>
             </a:extLst>
           </p:cNvPr>
@@ -602,7 +602,7 @@
           <p:cNvPr id="3" name="Vertical Text Placeholder 2">
             <a:extLst>
               <a:ext uri="{FF2B5EF4-FFF2-40B4-BE49-F238E27FC236}">
-                <a16:creationId xmlns:a16="http://schemas.microsoft.com/office/drawing/2014/main" id="{70F3CE26-A656-4E12-9598-9806FE7F9090}"/>
+                <a16:creationId xmlns:a16="http://schemas.microsoft.com/office/drawing/2014/main" xmlns="" id="{70F3CE26-A656-4E12-9598-9806FE7F9090}"/>
               </a:ext>
             </a:extLst>
           </p:cNvPr>
@@ -664,7 +664,7 @@
           <p:cNvPr id="4" name="Date Placeholder 3">
             <a:extLst>
               <a:ext uri="{FF2B5EF4-FFF2-40B4-BE49-F238E27FC236}">
-                <a16:creationId xmlns:a16="http://schemas.microsoft.com/office/drawing/2014/main" id="{CF908407-CC74-474A-9CE6-7503595127BC}"/>
+                <a16:creationId xmlns:a16="http://schemas.microsoft.com/office/drawing/2014/main" xmlns="" id="{CF908407-CC74-474A-9CE6-7503595127BC}"/>
               </a:ext>
             </a:extLst>
           </p:cNvPr>
@@ -682,7 +682,7 @@
           <a:p>
             <a:fld id="{4109A3AE-CEB5-4D63-8C4E-0A0F41805711}" type="datetimeFigureOut">
               <a:rPr lang="en-US" smtClean="0"/>
-              <a:t>2/1/2019</a:t>
+              <a:t>2/1/19</a:t>
             </a:fld>
             <a:endParaRPr lang="en-US"/>
           </a:p>
@@ -693,7 +693,7 @@
           <p:cNvPr id="5" name="Footer Placeholder 4">
             <a:extLst>
               <a:ext uri="{FF2B5EF4-FFF2-40B4-BE49-F238E27FC236}">
-                <a16:creationId xmlns:a16="http://schemas.microsoft.com/office/drawing/2014/main" id="{CCA84AD7-4AE6-4D78-B91A-B74B081FD140}"/>
+                <a16:creationId xmlns:a16="http://schemas.microsoft.com/office/drawing/2014/main" xmlns="" id="{CCA84AD7-4AE6-4D78-B91A-B74B081FD140}"/>
               </a:ext>
             </a:extLst>
           </p:cNvPr>
@@ -718,7 +718,7 @@
           <p:cNvPr id="6" name="Slide Number Placeholder 5">
             <a:extLst>
               <a:ext uri="{FF2B5EF4-FFF2-40B4-BE49-F238E27FC236}">
-                <a16:creationId xmlns:a16="http://schemas.microsoft.com/office/drawing/2014/main" id="{0544573C-80A4-4D2C-B5E4-F3DB5D489804}"/>
+                <a16:creationId xmlns:a16="http://schemas.microsoft.com/office/drawing/2014/main" xmlns="" id="{0544573C-80A4-4D2C-B5E4-F3DB5D489804}"/>
               </a:ext>
             </a:extLst>
           </p:cNvPr>
@@ -777,7 +777,7 @@
           <p:cNvPr id="2" name="Title 1">
             <a:extLst>
               <a:ext uri="{FF2B5EF4-FFF2-40B4-BE49-F238E27FC236}">
-                <a16:creationId xmlns:a16="http://schemas.microsoft.com/office/drawing/2014/main" id="{248F1964-129B-4BBF-B495-30653B48D21C}"/>
+                <a16:creationId xmlns:a16="http://schemas.microsoft.com/office/drawing/2014/main" xmlns="" id="{248F1964-129B-4BBF-B495-30653B48D21C}"/>
               </a:ext>
             </a:extLst>
           </p:cNvPr>
@@ -805,7 +805,7 @@
           <p:cNvPr id="3" name="Content Placeholder 2">
             <a:extLst>
               <a:ext uri="{FF2B5EF4-FFF2-40B4-BE49-F238E27FC236}">
-                <a16:creationId xmlns:a16="http://schemas.microsoft.com/office/drawing/2014/main" id="{824D9178-F6C3-473F-9353-88B69CA3F5EA}"/>
+                <a16:creationId xmlns:a16="http://schemas.microsoft.com/office/drawing/2014/main" xmlns="" id="{824D9178-F6C3-473F-9353-88B69CA3F5EA}"/>
               </a:ext>
             </a:extLst>
           </p:cNvPr>
@@ -862,7 +862,7 @@
           <p:cNvPr id="4" name="Date Placeholder 3">
             <a:extLst>
               <a:ext uri="{FF2B5EF4-FFF2-40B4-BE49-F238E27FC236}">
-                <a16:creationId xmlns:a16="http://schemas.microsoft.com/office/drawing/2014/main" id="{2C51D15A-8EA0-4F1C-9B7B-844343E1B74E}"/>
+                <a16:creationId xmlns:a16="http://schemas.microsoft.com/office/drawing/2014/main" xmlns="" id="{2C51D15A-8EA0-4F1C-9B7B-844343E1B74E}"/>
               </a:ext>
             </a:extLst>
           </p:cNvPr>
@@ -880,7 +880,7 @@
           <a:p>
             <a:fld id="{4109A3AE-CEB5-4D63-8C4E-0A0F41805711}" type="datetimeFigureOut">
               <a:rPr lang="en-US" smtClean="0"/>
-              <a:t>2/1/2019</a:t>
+              <a:t>2/1/19</a:t>
             </a:fld>
             <a:endParaRPr lang="en-US"/>
           </a:p>
@@ -891,7 +891,7 @@
           <p:cNvPr id="5" name="Footer Placeholder 4">
             <a:extLst>
               <a:ext uri="{FF2B5EF4-FFF2-40B4-BE49-F238E27FC236}">
-                <a16:creationId xmlns:a16="http://schemas.microsoft.com/office/drawing/2014/main" id="{9624C655-C281-4753-B248-83B71904E4CC}"/>
+                <a16:creationId xmlns:a16="http://schemas.microsoft.com/office/drawing/2014/main" xmlns="" id="{9624C655-C281-4753-B248-83B71904E4CC}"/>
               </a:ext>
             </a:extLst>
           </p:cNvPr>
@@ -916,7 +916,7 @@
           <p:cNvPr id="6" name="Slide Number Placeholder 5">
             <a:extLst>
               <a:ext uri="{FF2B5EF4-FFF2-40B4-BE49-F238E27FC236}">
-                <a16:creationId xmlns:a16="http://schemas.microsoft.com/office/drawing/2014/main" id="{2A066998-C518-40F2-9381-7D5418A189C1}"/>
+                <a16:creationId xmlns:a16="http://schemas.microsoft.com/office/drawing/2014/main" xmlns="" id="{2A066998-C518-40F2-9381-7D5418A189C1}"/>
               </a:ext>
             </a:extLst>
           </p:cNvPr>
@@ -975,7 +975,7 @@
           <p:cNvPr id="2" name="Title 1">
             <a:extLst>
               <a:ext uri="{FF2B5EF4-FFF2-40B4-BE49-F238E27FC236}">
-                <a16:creationId xmlns:a16="http://schemas.microsoft.com/office/drawing/2014/main" id="{75183681-8E5E-474B-8449-9F3E2662823D}"/>
+                <a16:creationId xmlns:a16="http://schemas.microsoft.com/office/drawing/2014/main" xmlns="" id="{75183681-8E5E-474B-8449-9F3E2662823D}"/>
               </a:ext>
             </a:extLst>
           </p:cNvPr>
@@ -1012,7 +1012,7 @@
           <p:cNvPr id="3" name="Text Placeholder 2">
             <a:extLst>
               <a:ext uri="{FF2B5EF4-FFF2-40B4-BE49-F238E27FC236}">
-                <a16:creationId xmlns:a16="http://schemas.microsoft.com/office/drawing/2014/main" id="{7063463B-1DD6-4F57-873B-C329AB32AC05}"/>
+                <a16:creationId xmlns:a16="http://schemas.microsoft.com/office/drawing/2014/main" xmlns="" id="{7063463B-1DD6-4F57-873B-C329AB32AC05}"/>
               </a:ext>
             </a:extLst>
           </p:cNvPr>
@@ -1137,7 +1137,7 @@
           <p:cNvPr id="4" name="Date Placeholder 3">
             <a:extLst>
               <a:ext uri="{FF2B5EF4-FFF2-40B4-BE49-F238E27FC236}">
-                <a16:creationId xmlns:a16="http://schemas.microsoft.com/office/drawing/2014/main" id="{7C326802-EB5E-4421-82C9-20594D665913}"/>
+                <a16:creationId xmlns:a16="http://schemas.microsoft.com/office/drawing/2014/main" xmlns="" id="{7C326802-EB5E-4421-82C9-20594D665913}"/>
               </a:ext>
             </a:extLst>
           </p:cNvPr>
@@ -1155,7 +1155,7 @@
           <a:p>
             <a:fld id="{4109A3AE-CEB5-4D63-8C4E-0A0F41805711}" type="datetimeFigureOut">
               <a:rPr lang="en-US" smtClean="0"/>
-              <a:t>2/1/2019</a:t>
+              <a:t>2/1/19</a:t>
             </a:fld>
             <a:endParaRPr lang="en-US"/>
           </a:p>
@@ -1166,7 +1166,7 @@
           <p:cNvPr id="5" name="Footer Placeholder 4">
             <a:extLst>
               <a:ext uri="{FF2B5EF4-FFF2-40B4-BE49-F238E27FC236}">
-                <a16:creationId xmlns:a16="http://schemas.microsoft.com/office/drawing/2014/main" id="{439F4EA7-DE69-4F26-8202-48DE86A69AAA}"/>
+                <a16:creationId xmlns:a16="http://schemas.microsoft.com/office/drawing/2014/main" xmlns="" id="{439F4EA7-DE69-4F26-8202-48DE86A69AAA}"/>
               </a:ext>
             </a:extLst>
           </p:cNvPr>
@@ -1191,7 +1191,7 @@
           <p:cNvPr id="6" name="Slide Number Placeholder 5">
             <a:extLst>
               <a:ext uri="{FF2B5EF4-FFF2-40B4-BE49-F238E27FC236}">
-                <a16:creationId xmlns:a16="http://schemas.microsoft.com/office/drawing/2014/main" id="{53C0B134-BBA9-4F58-8847-384050FB9E83}"/>
+                <a16:creationId xmlns:a16="http://schemas.microsoft.com/office/drawing/2014/main" xmlns="" id="{53C0B134-BBA9-4F58-8847-384050FB9E83}"/>
               </a:ext>
             </a:extLst>
           </p:cNvPr>
@@ -1250,7 +1250,7 @@
           <p:cNvPr id="2" name="Title 1">
             <a:extLst>
               <a:ext uri="{FF2B5EF4-FFF2-40B4-BE49-F238E27FC236}">
-                <a16:creationId xmlns:a16="http://schemas.microsoft.com/office/drawing/2014/main" id="{597045F7-FF79-4A29-B9C9-A01853D39F12}"/>
+                <a16:creationId xmlns:a16="http://schemas.microsoft.com/office/drawing/2014/main" xmlns="" id="{597045F7-FF79-4A29-B9C9-A01853D39F12}"/>
               </a:ext>
             </a:extLst>
           </p:cNvPr>
@@ -1278,7 +1278,7 @@
           <p:cNvPr id="3" name="Content Placeholder 2">
             <a:extLst>
               <a:ext uri="{FF2B5EF4-FFF2-40B4-BE49-F238E27FC236}">
-                <a16:creationId xmlns:a16="http://schemas.microsoft.com/office/drawing/2014/main" id="{15015A6E-AB44-421A-8DE9-E68F900629FC}"/>
+                <a16:creationId xmlns:a16="http://schemas.microsoft.com/office/drawing/2014/main" xmlns="" id="{15015A6E-AB44-421A-8DE9-E68F900629FC}"/>
               </a:ext>
             </a:extLst>
           </p:cNvPr>
@@ -1340,7 +1340,7 @@
           <p:cNvPr id="4" name="Content Placeholder 3">
             <a:extLst>
               <a:ext uri="{FF2B5EF4-FFF2-40B4-BE49-F238E27FC236}">
-                <a16:creationId xmlns:a16="http://schemas.microsoft.com/office/drawing/2014/main" id="{4460644D-AF50-47DC-B92F-D691F24BD08B}"/>
+                <a16:creationId xmlns:a16="http://schemas.microsoft.com/office/drawing/2014/main" xmlns="" id="{4460644D-AF50-47DC-B92F-D691F24BD08B}"/>
               </a:ext>
             </a:extLst>
           </p:cNvPr>
@@ -1402,7 +1402,7 @@
           <p:cNvPr id="5" name="Date Placeholder 4">
             <a:extLst>
               <a:ext uri="{FF2B5EF4-FFF2-40B4-BE49-F238E27FC236}">
-                <a16:creationId xmlns:a16="http://schemas.microsoft.com/office/drawing/2014/main" id="{3EC57F61-C114-4AB2-A6CF-738C432BD8A4}"/>
+                <a16:creationId xmlns:a16="http://schemas.microsoft.com/office/drawing/2014/main" xmlns="" id="{3EC57F61-C114-4AB2-A6CF-738C432BD8A4}"/>
               </a:ext>
             </a:extLst>
           </p:cNvPr>
@@ -1420,7 +1420,7 @@
           <a:p>
             <a:fld id="{4109A3AE-CEB5-4D63-8C4E-0A0F41805711}" type="datetimeFigureOut">
               <a:rPr lang="en-US" smtClean="0"/>
-              <a:t>2/1/2019</a:t>
+              <a:t>2/1/19</a:t>
             </a:fld>
             <a:endParaRPr lang="en-US"/>
           </a:p>
@@ -1431,7 +1431,7 @@
           <p:cNvPr id="6" name="Footer Placeholder 5">
             <a:extLst>
               <a:ext uri="{FF2B5EF4-FFF2-40B4-BE49-F238E27FC236}">
-                <a16:creationId xmlns:a16="http://schemas.microsoft.com/office/drawing/2014/main" id="{742E2F9E-13F1-4599-B696-4E1298263CA3}"/>
+                <a16:creationId xmlns:a16="http://schemas.microsoft.com/office/drawing/2014/main" xmlns="" id="{742E2F9E-13F1-4599-B696-4E1298263CA3}"/>
               </a:ext>
             </a:extLst>
           </p:cNvPr>
@@ -1456,7 +1456,7 @@
           <p:cNvPr id="7" name="Slide Number Placeholder 6">
             <a:extLst>
               <a:ext uri="{FF2B5EF4-FFF2-40B4-BE49-F238E27FC236}">
-                <a16:creationId xmlns:a16="http://schemas.microsoft.com/office/drawing/2014/main" id="{472D0EAA-E102-4DBA-9534-05BBB8C8C823}"/>
+                <a16:creationId xmlns:a16="http://schemas.microsoft.com/office/drawing/2014/main" xmlns="" id="{472D0EAA-E102-4DBA-9534-05BBB8C8C823}"/>
               </a:ext>
             </a:extLst>
           </p:cNvPr>
@@ -1515,7 +1515,7 @@
           <p:cNvPr id="2" name="Title 1">
             <a:extLst>
               <a:ext uri="{FF2B5EF4-FFF2-40B4-BE49-F238E27FC236}">
-                <a16:creationId xmlns:a16="http://schemas.microsoft.com/office/drawing/2014/main" id="{ECA33912-DFDC-434E-870A-16BEF9BC5C1C}"/>
+                <a16:creationId xmlns:a16="http://schemas.microsoft.com/office/drawing/2014/main" xmlns="" id="{ECA33912-DFDC-434E-870A-16BEF9BC5C1C}"/>
               </a:ext>
             </a:extLst>
           </p:cNvPr>
@@ -1548,7 +1548,7 @@
           <p:cNvPr id="3" name="Text Placeholder 2">
             <a:extLst>
               <a:ext uri="{FF2B5EF4-FFF2-40B4-BE49-F238E27FC236}">
-                <a16:creationId xmlns:a16="http://schemas.microsoft.com/office/drawing/2014/main" id="{F0ED805E-4735-4B69-8D81-4ED562165B5B}"/>
+                <a16:creationId xmlns:a16="http://schemas.microsoft.com/office/drawing/2014/main" xmlns="" id="{F0ED805E-4735-4B69-8D81-4ED562165B5B}"/>
               </a:ext>
             </a:extLst>
           </p:cNvPr>
@@ -1619,7 +1619,7 @@
           <p:cNvPr id="4" name="Content Placeholder 3">
             <a:extLst>
               <a:ext uri="{FF2B5EF4-FFF2-40B4-BE49-F238E27FC236}">
-                <a16:creationId xmlns:a16="http://schemas.microsoft.com/office/drawing/2014/main" id="{C62E0208-3A8A-481E-81E6-352BBF8422C4}"/>
+                <a16:creationId xmlns:a16="http://schemas.microsoft.com/office/drawing/2014/main" xmlns="" id="{C62E0208-3A8A-481E-81E6-352BBF8422C4}"/>
               </a:ext>
             </a:extLst>
           </p:cNvPr>
@@ -1681,7 +1681,7 @@
           <p:cNvPr id="5" name="Text Placeholder 4">
             <a:extLst>
               <a:ext uri="{FF2B5EF4-FFF2-40B4-BE49-F238E27FC236}">
-                <a16:creationId xmlns:a16="http://schemas.microsoft.com/office/drawing/2014/main" id="{9BE6BBFA-4B5E-4EB1-B8F2-D76088FFA6DB}"/>
+                <a16:creationId xmlns:a16="http://schemas.microsoft.com/office/drawing/2014/main" xmlns="" id="{9BE6BBFA-4B5E-4EB1-B8F2-D76088FFA6DB}"/>
               </a:ext>
             </a:extLst>
           </p:cNvPr>
@@ -1752,7 +1752,7 @@
           <p:cNvPr id="6" name="Content Placeholder 5">
             <a:extLst>
               <a:ext uri="{FF2B5EF4-FFF2-40B4-BE49-F238E27FC236}">
-                <a16:creationId xmlns:a16="http://schemas.microsoft.com/office/drawing/2014/main" id="{F33540AF-84C7-4839-8A35-A82249423D17}"/>
+                <a16:creationId xmlns:a16="http://schemas.microsoft.com/office/drawing/2014/main" xmlns="" id="{F33540AF-84C7-4839-8A35-A82249423D17}"/>
               </a:ext>
             </a:extLst>
           </p:cNvPr>
@@ -1814,7 +1814,7 @@
           <p:cNvPr id="7" name="Date Placeholder 6">
             <a:extLst>
               <a:ext uri="{FF2B5EF4-FFF2-40B4-BE49-F238E27FC236}">
-                <a16:creationId xmlns:a16="http://schemas.microsoft.com/office/drawing/2014/main" id="{CAF7F165-7E36-47B1-AF38-DB251AB6FF21}"/>
+                <a16:creationId xmlns:a16="http://schemas.microsoft.com/office/drawing/2014/main" xmlns="" id="{CAF7F165-7E36-47B1-AF38-DB251AB6FF21}"/>
               </a:ext>
             </a:extLst>
           </p:cNvPr>
@@ -1832,7 +1832,7 @@
           <a:p>
             <a:fld id="{4109A3AE-CEB5-4D63-8C4E-0A0F41805711}" type="datetimeFigureOut">
               <a:rPr lang="en-US" smtClean="0"/>
-              <a:t>2/1/2019</a:t>
+              <a:t>2/1/19</a:t>
             </a:fld>
             <a:endParaRPr lang="en-US"/>
           </a:p>
@@ -1843,7 +1843,7 @@
           <p:cNvPr id="8" name="Footer Placeholder 7">
             <a:extLst>
               <a:ext uri="{FF2B5EF4-FFF2-40B4-BE49-F238E27FC236}">
-                <a16:creationId xmlns:a16="http://schemas.microsoft.com/office/drawing/2014/main" id="{ECFC46E1-FDC2-4A90-925D-51C194B5C563}"/>
+                <a16:creationId xmlns:a16="http://schemas.microsoft.com/office/drawing/2014/main" xmlns="" id="{ECFC46E1-FDC2-4A90-925D-51C194B5C563}"/>
               </a:ext>
             </a:extLst>
           </p:cNvPr>
@@ -1868,7 +1868,7 @@
           <p:cNvPr id="9" name="Slide Number Placeholder 8">
             <a:extLst>
               <a:ext uri="{FF2B5EF4-FFF2-40B4-BE49-F238E27FC236}">
-                <a16:creationId xmlns:a16="http://schemas.microsoft.com/office/drawing/2014/main" id="{FF495018-FA3A-484A-BB5F-1E177D516D85}"/>
+                <a16:creationId xmlns:a16="http://schemas.microsoft.com/office/drawing/2014/main" xmlns="" id="{FF495018-FA3A-484A-BB5F-1E177D516D85}"/>
               </a:ext>
             </a:extLst>
           </p:cNvPr>
@@ -1927,7 +1927,7 @@
           <p:cNvPr id="2" name="Title 1">
             <a:extLst>
               <a:ext uri="{FF2B5EF4-FFF2-40B4-BE49-F238E27FC236}">
-                <a16:creationId xmlns:a16="http://schemas.microsoft.com/office/drawing/2014/main" id="{8A5C0D21-E241-4DFE-888B-9CD386874B88}"/>
+                <a16:creationId xmlns:a16="http://schemas.microsoft.com/office/drawing/2014/main" xmlns="" id="{8A5C0D21-E241-4DFE-888B-9CD386874B88}"/>
               </a:ext>
             </a:extLst>
           </p:cNvPr>
@@ -1955,7 +1955,7 @@
           <p:cNvPr id="3" name="Date Placeholder 2">
             <a:extLst>
               <a:ext uri="{FF2B5EF4-FFF2-40B4-BE49-F238E27FC236}">
-                <a16:creationId xmlns:a16="http://schemas.microsoft.com/office/drawing/2014/main" id="{2054FAEB-B499-4C46-A057-D823649278E7}"/>
+                <a16:creationId xmlns:a16="http://schemas.microsoft.com/office/drawing/2014/main" xmlns="" id="{2054FAEB-B499-4C46-A057-D823649278E7}"/>
               </a:ext>
             </a:extLst>
           </p:cNvPr>
@@ -1973,7 +1973,7 @@
           <a:p>
             <a:fld id="{4109A3AE-CEB5-4D63-8C4E-0A0F41805711}" type="datetimeFigureOut">
               <a:rPr lang="en-US" smtClean="0"/>
-              <a:t>2/1/2019</a:t>
+              <a:t>2/1/19</a:t>
             </a:fld>
             <a:endParaRPr lang="en-US"/>
           </a:p>
@@ -1984,7 +1984,7 @@
           <p:cNvPr id="4" name="Footer Placeholder 3">
             <a:extLst>
               <a:ext uri="{FF2B5EF4-FFF2-40B4-BE49-F238E27FC236}">
-                <a16:creationId xmlns:a16="http://schemas.microsoft.com/office/drawing/2014/main" id="{AE8200FE-854B-4DCB-9DC8-26C067E92A9B}"/>
+                <a16:creationId xmlns:a16="http://schemas.microsoft.com/office/drawing/2014/main" xmlns="" id="{AE8200FE-854B-4DCB-9DC8-26C067E92A9B}"/>
               </a:ext>
             </a:extLst>
           </p:cNvPr>
@@ -2009,7 +2009,7 @@
           <p:cNvPr id="5" name="Slide Number Placeholder 4">
             <a:extLst>
               <a:ext uri="{FF2B5EF4-FFF2-40B4-BE49-F238E27FC236}">
-                <a16:creationId xmlns:a16="http://schemas.microsoft.com/office/drawing/2014/main" id="{439D4B7F-CEC2-4CCA-9CD0-C7A9740654C6}"/>
+                <a16:creationId xmlns:a16="http://schemas.microsoft.com/office/drawing/2014/main" xmlns="" id="{439D4B7F-CEC2-4CCA-9CD0-C7A9740654C6}"/>
               </a:ext>
             </a:extLst>
           </p:cNvPr>
@@ -2068,7 +2068,7 @@
           <p:cNvPr id="2" name="Date Placeholder 1">
             <a:extLst>
               <a:ext uri="{FF2B5EF4-FFF2-40B4-BE49-F238E27FC236}">
-                <a16:creationId xmlns:a16="http://schemas.microsoft.com/office/drawing/2014/main" id="{242B8E4B-E8A4-446B-BBD2-4C200933B553}"/>
+                <a16:creationId xmlns:a16="http://schemas.microsoft.com/office/drawing/2014/main" xmlns="" id="{242B8E4B-E8A4-446B-BBD2-4C200933B553}"/>
               </a:ext>
             </a:extLst>
           </p:cNvPr>
@@ -2086,7 +2086,7 @@
           <a:p>
             <a:fld id="{4109A3AE-CEB5-4D63-8C4E-0A0F41805711}" type="datetimeFigureOut">
               <a:rPr lang="en-US" smtClean="0"/>
-              <a:t>2/1/2019</a:t>
+              <a:t>2/1/19</a:t>
             </a:fld>
             <a:endParaRPr lang="en-US"/>
           </a:p>
@@ -2097,7 +2097,7 @@
           <p:cNvPr id="3" name="Footer Placeholder 2">
             <a:extLst>
               <a:ext uri="{FF2B5EF4-FFF2-40B4-BE49-F238E27FC236}">
-                <a16:creationId xmlns:a16="http://schemas.microsoft.com/office/drawing/2014/main" id="{7AA2D251-4BBB-4611-982A-25D9F2FF18DA}"/>
+                <a16:creationId xmlns:a16="http://schemas.microsoft.com/office/drawing/2014/main" xmlns="" id="{7AA2D251-4BBB-4611-982A-25D9F2FF18DA}"/>
               </a:ext>
             </a:extLst>
           </p:cNvPr>
@@ -2122,7 +2122,7 @@
           <p:cNvPr id="4" name="Slide Number Placeholder 3">
             <a:extLst>
               <a:ext uri="{FF2B5EF4-FFF2-40B4-BE49-F238E27FC236}">
-                <a16:creationId xmlns:a16="http://schemas.microsoft.com/office/drawing/2014/main" id="{3B6C922C-ED8B-47F2-9558-44C3B3E1875D}"/>
+                <a16:creationId xmlns:a16="http://schemas.microsoft.com/office/drawing/2014/main" xmlns="" id="{3B6C922C-ED8B-47F2-9558-44C3B3E1875D}"/>
               </a:ext>
             </a:extLst>
           </p:cNvPr>
@@ -2181,7 +2181,7 @@
           <p:cNvPr id="2" name="Title 1">
             <a:extLst>
               <a:ext uri="{FF2B5EF4-FFF2-40B4-BE49-F238E27FC236}">
-                <a16:creationId xmlns:a16="http://schemas.microsoft.com/office/drawing/2014/main" id="{B7BAAD0C-3AD2-4ECE-89F7-5777B6BF0ABE}"/>
+                <a16:creationId xmlns:a16="http://schemas.microsoft.com/office/drawing/2014/main" xmlns="" id="{B7BAAD0C-3AD2-4ECE-89F7-5777B6BF0ABE}"/>
               </a:ext>
             </a:extLst>
           </p:cNvPr>
@@ -2218,7 +2218,7 @@
           <p:cNvPr id="3" name="Content Placeholder 2">
             <a:extLst>
               <a:ext uri="{FF2B5EF4-FFF2-40B4-BE49-F238E27FC236}">
-                <a16:creationId xmlns:a16="http://schemas.microsoft.com/office/drawing/2014/main" id="{068CDC6F-FF7F-4D2E-99E3-A6BEC9D50BF8}"/>
+                <a16:creationId xmlns:a16="http://schemas.microsoft.com/office/drawing/2014/main" xmlns="" id="{068CDC6F-FF7F-4D2E-99E3-A6BEC9D50BF8}"/>
               </a:ext>
             </a:extLst>
           </p:cNvPr>
@@ -2308,7 +2308,7 @@
           <p:cNvPr id="4" name="Text Placeholder 3">
             <a:extLst>
               <a:ext uri="{FF2B5EF4-FFF2-40B4-BE49-F238E27FC236}">
-                <a16:creationId xmlns:a16="http://schemas.microsoft.com/office/drawing/2014/main" id="{07CDC96F-6154-4149-8340-85BED3325DFA}"/>
+                <a16:creationId xmlns:a16="http://schemas.microsoft.com/office/drawing/2014/main" xmlns="" id="{07CDC96F-6154-4149-8340-85BED3325DFA}"/>
               </a:ext>
             </a:extLst>
           </p:cNvPr>
@@ -2379,7 +2379,7 @@
           <p:cNvPr id="5" name="Date Placeholder 4">
             <a:extLst>
               <a:ext uri="{FF2B5EF4-FFF2-40B4-BE49-F238E27FC236}">
-                <a16:creationId xmlns:a16="http://schemas.microsoft.com/office/drawing/2014/main" id="{DA685885-A8AE-4B7F-9E25-8F2468B6E81D}"/>
+                <a16:creationId xmlns:a16="http://schemas.microsoft.com/office/drawing/2014/main" xmlns="" id="{DA685885-A8AE-4B7F-9E25-8F2468B6E81D}"/>
               </a:ext>
             </a:extLst>
           </p:cNvPr>
@@ -2397,7 +2397,7 @@
           <a:p>
             <a:fld id="{4109A3AE-CEB5-4D63-8C4E-0A0F41805711}" type="datetimeFigureOut">
               <a:rPr lang="en-US" smtClean="0"/>
-              <a:t>2/1/2019</a:t>
+              <a:t>2/1/19</a:t>
             </a:fld>
             <a:endParaRPr lang="en-US"/>
           </a:p>
@@ -2408,7 +2408,7 @@
           <p:cNvPr id="6" name="Footer Placeholder 5">
             <a:extLst>
               <a:ext uri="{FF2B5EF4-FFF2-40B4-BE49-F238E27FC236}">
-                <a16:creationId xmlns:a16="http://schemas.microsoft.com/office/drawing/2014/main" id="{9E02A5BA-AC19-4934-8ED6-A41DE306CB25}"/>
+                <a16:creationId xmlns:a16="http://schemas.microsoft.com/office/drawing/2014/main" xmlns="" id="{9E02A5BA-AC19-4934-8ED6-A41DE306CB25}"/>
               </a:ext>
             </a:extLst>
           </p:cNvPr>
@@ -2433,7 +2433,7 @@
           <p:cNvPr id="7" name="Slide Number Placeholder 6">
             <a:extLst>
               <a:ext uri="{FF2B5EF4-FFF2-40B4-BE49-F238E27FC236}">
-                <a16:creationId xmlns:a16="http://schemas.microsoft.com/office/drawing/2014/main" id="{205EA19E-D768-4FAD-A61E-C87288249A0E}"/>
+                <a16:creationId xmlns:a16="http://schemas.microsoft.com/office/drawing/2014/main" xmlns="" id="{205EA19E-D768-4FAD-A61E-C87288249A0E}"/>
               </a:ext>
             </a:extLst>
           </p:cNvPr>
@@ -2492,7 +2492,7 @@
           <p:cNvPr id="2" name="Title 1">
             <a:extLst>
               <a:ext uri="{FF2B5EF4-FFF2-40B4-BE49-F238E27FC236}">
-                <a16:creationId xmlns:a16="http://schemas.microsoft.com/office/drawing/2014/main" id="{48F6670D-2C5A-4A5A-8B68-3DFE87FF25CB}"/>
+                <a16:creationId xmlns:a16="http://schemas.microsoft.com/office/drawing/2014/main" xmlns="" id="{48F6670D-2C5A-4A5A-8B68-3DFE87FF25CB}"/>
               </a:ext>
             </a:extLst>
           </p:cNvPr>
@@ -2529,7 +2529,7 @@
           <p:cNvPr id="3" name="Picture Placeholder 2">
             <a:extLst>
               <a:ext uri="{FF2B5EF4-FFF2-40B4-BE49-F238E27FC236}">
-                <a16:creationId xmlns:a16="http://schemas.microsoft.com/office/drawing/2014/main" id="{CBBDE5C0-1B84-4DAA-8BB3-71CDC26F70F6}"/>
+                <a16:creationId xmlns:a16="http://schemas.microsoft.com/office/drawing/2014/main" xmlns="" id="{CBBDE5C0-1B84-4DAA-8BB3-71CDC26F70F6}"/>
               </a:ext>
             </a:extLst>
           </p:cNvPr>
@@ -2596,7 +2596,7 @@
           <p:cNvPr id="4" name="Text Placeholder 3">
             <a:extLst>
               <a:ext uri="{FF2B5EF4-FFF2-40B4-BE49-F238E27FC236}">
-                <a16:creationId xmlns:a16="http://schemas.microsoft.com/office/drawing/2014/main" id="{1B2A8562-9280-48D0-920C-09F181A56A16}"/>
+                <a16:creationId xmlns:a16="http://schemas.microsoft.com/office/drawing/2014/main" xmlns="" id="{1B2A8562-9280-48D0-920C-09F181A56A16}"/>
               </a:ext>
             </a:extLst>
           </p:cNvPr>
@@ -2667,7 +2667,7 @@
           <p:cNvPr id="5" name="Date Placeholder 4">
             <a:extLst>
               <a:ext uri="{FF2B5EF4-FFF2-40B4-BE49-F238E27FC236}">
-                <a16:creationId xmlns:a16="http://schemas.microsoft.com/office/drawing/2014/main" id="{2BFA73D5-E3F4-4673-83ED-BE884F233A4A}"/>
+                <a16:creationId xmlns:a16="http://schemas.microsoft.com/office/drawing/2014/main" xmlns="" id="{2BFA73D5-E3F4-4673-83ED-BE884F233A4A}"/>
               </a:ext>
             </a:extLst>
           </p:cNvPr>
@@ -2685,7 +2685,7 @@
           <a:p>
             <a:fld id="{4109A3AE-CEB5-4D63-8C4E-0A0F41805711}" type="datetimeFigureOut">
               <a:rPr lang="en-US" smtClean="0"/>
-              <a:t>2/1/2019</a:t>
+              <a:t>2/1/19</a:t>
             </a:fld>
             <a:endParaRPr lang="en-US"/>
           </a:p>
@@ -2696,7 +2696,7 @@
           <p:cNvPr id="6" name="Footer Placeholder 5">
             <a:extLst>
               <a:ext uri="{FF2B5EF4-FFF2-40B4-BE49-F238E27FC236}">
-                <a16:creationId xmlns:a16="http://schemas.microsoft.com/office/drawing/2014/main" id="{EB3136A3-18EE-4695-8D1A-B17B3E818424}"/>
+                <a16:creationId xmlns:a16="http://schemas.microsoft.com/office/drawing/2014/main" xmlns="" id="{EB3136A3-18EE-4695-8D1A-B17B3E818424}"/>
               </a:ext>
             </a:extLst>
           </p:cNvPr>
@@ -2721,7 +2721,7 @@
           <p:cNvPr id="7" name="Slide Number Placeholder 6">
             <a:extLst>
               <a:ext uri="{FF2B5EF4-FFF2-40B4-BE49-F238E27FC236}">
-                <a16:creationId xmlns:a16="http://schemas.microsoft.com/office/drawing/2014/main" id="{62BDFA49-917C-476A-9350-4CC642148BB8}"/>
+                <a16:creationId xmlns:a16="http://schemas.microsoft.com/office/drawing/2014/main" xmlns="" id="{62BDFA49-917C-476A-9350-4CC642148BB8}"/>
               </a:ext>
             </a:extLst>
           </p:cNvPr>
@@ -2785,7 +2785,7 @@
           <p:cNvPr id="2" name="Title Placeholder 1">
             <a:extLst>
               <a:ext uri="{FF2B5EF4-FFF2-40B4-BE49-F238E27FC236}">
-                <a16:creationId xmlns:a16="http://schemas.microsoft.com/office/drawing/2014/main" id="{EF7B301A-3BCD-4B51-85AE-60DA5930999F}"/>
+                <a16:creationId xmlns:a16="http://schemas.microsoft.com/office/drawing/2014/main" xmlns="" id="{EF7B301A-3BCD-4B51-85AE-60DA5930999F}"/>
               </a:ext>
             </a:extLst>
           </p:cNvPr>
@@ -2823,7 +2823,7 @@
           <p:cNvPr id="3" name="Text Placeholder 2">
             <a:extLst>
               <a:ext uri="{FF2B5EF4-FFF2-40B4-BE49-F238E27FC236}">
-                <a16:creationId xmlns:a16="http://schemas.microsoft.com/office/drawing/2014/main" id="{93FC0852-6711-42B8-B2D5-DB0FD0100B25}"/>
+                <a16:creationId xmlns:a16="http://schemas.microsoft.com/office/drawing/2014/main" xmlns="" id="{93FC0852-6711-42B8-B2D5-DB0FD0100B25}"/>
               </a:ext>
             </a:extLst>
           </p:cNvPr>
@@ -2890,7 +2890,7 @@
           <p:cNvPr id="4" name="Date Placeholder 3">
             <a:extLst>
               <a:ext uri="{FF2B5EF4-FFF2-40B4-BE49-F238E27FC236}">
-                <a16:creationId xmlns:a16="http://schemas.microsoft.com/office/drawing/2014/main" id="{1F1C6DF6-9265-4ACB-95D8-C2B368E656D4}"/>
+                <a16:creationId xmlns:a16="http://schemas.microsoft.com/office/drawing/2014/main" xmlns="" id="{1F1C6DF6-9265-4ACB-95D8-C2B368E656D4}"/>
               </a:ext>
             </a:extLst>
           </p:cNvPr>
@@ -2926,7 +2926,7 @@
           <a:p>
             <a:fld id="{4109A3AE-CEB5-4D63-8C4E-0A0F41805711}" type="datetimeFigureOut">
               <a:rPr lang="en-US" smtClean="0"/>
-              <a:t>2/1/2019</a:t>
+              <a:t>2/1/19</a:t>
             </a:fld>
             <a:endParaRPr lang="en-US"/>
           </a:p>
@@ -2937,7 +2937,7 @@
           <p:cNvPr id="5" name="Footer Placeholder 4">
             <a:extLst>
               <a:ext uri="{FF2B5EF4-FFF2-40B4-BE49-F238E27FC236}">
-                <a16:creationId xmlns:a16="http://schemas.microsoft.com/office/drawing/2014/main" id="{8B5C077E-EC26-4869-BAD9-AE69516BF7E9}"/>
+                <a16:creationId xmlns:a16="http://schemas.microsoft.com/office/drawing/2014/main" xmlns="" id="{8B5C077E-EC26-4869-BAD9-AE69516BF7E9}"/>
               </a:ext>
             </a:extLst>
           </p:cNvPr>
@@ -2980,7 +2980,7 @@
           <p:cNvPr id="6" name="Slide Number Placeholder 5">
             <a:extLst>
               <a:ext uri="{FF2B5EF4-FFF2-40B4-BE49-F238E27FC236}">
-                <a16:creationId xmlns:a16="http://schemas.microsoft.com/office/drawing/2014/main" id="{388DDDA6-DFD4-4AAE-8A35-ABCFC7FE1BC6}"/>
+                <a16:creationId xmlns:a16="http://schemas.microsoft.com/office/drawing/2014/main" xmlns="" id="{388DDDA6-DFD4-4AAE-8A35-ABCFC7FE1BC6}"/>
               </a:ext>
             </a:extLst>
           </p:cNvPr>
@@ -3348,7 +3348,7 @@
           <p:cNvPr id="2" name="Title 1">
             <a:extLst>
               <a:ext uri="{FF2B5EF4-FFF2-40B4-BE49-F238E27FC236}">
-                <a16:creationId xmlns:a16="http://schemas.microsoft.com/office/drawing/2014/main" id="{795DF6DF-5674-4CF0-8560-B74D60B3FE8B}"/>
+                <a16:creationId xmlns:a16="http://schemas.microsoft.com/office/drawing/2014/main" xmlns="" id="{795DF6DF-5674-4CF0-8560-B74D60B3FE8B}"/>
               </a:ext>
             </a:extLst>
           </p:cNvPr>
@@ -3378,7 +3378,7 @@
           <p:cNvPr id="3" name="Subtitle 2">
             <a:extLst>
               <a:ext uri="{FF2B5EF4-FFF2-40B4-BE49-F238E27FC236}">
-                <a16:creationId xmlns:a16="http://schemas.microsoft.com/office/drawing/2014/main" id="{3C52D33D-F581-479E-A890-CEE3F50D28C0}"/>
+                <a16:creationId xmlns:a16="http://schemas.microsoft.com/office/drawing/2014/main" xmlns="" id="{3C52D33D-F581-479E-A890-CEE3F50D28C0}"/>
               </a:ext>
             </a:extLst>
           </p:cNvPr>
@@ -3503,7 +3503,7 @@
           <p:cNvPr id="3" name="Rectangle 2">
             <a:extLst>
               <a:ext uri="{FF2B5EF4-FFF2-40B4-BE49-F238E27FC236}">
-                <a16:creationId xmlns:a16="http://schemas.microsoft.com/office/drawing/2014/main" id="{5C7D8DAE-46E0-423B-A4C1-54DC12891A80}"/>
+                <a16:creationId xmlns:a16="http://schemas.microsoft.com/office/drawing/2014/main" xmlns="" id="{5C7D8DAE-46E0-423B-A4C1-54DC12891A80}"/>
               </a:ext>
             </a:extLst>
           </p:cNvPr>
@@ -3697,7 +3697,7 @@
           <p:cNvPr id="2" name="Rectangle 1">
             <a:extLst>
               <a:ext uri="{FF2B5EF4-FFF2-40B4-BE49-F238E27FC236}">
-                <a16:creationId xmlns:a16="http://schemas.microsoft.com/office/drawing/2014/main" id="{24120B54-FA71-46C9-875E-26DD2F501765}"/>
+                <a16:creationId xmlns:a16="http://schemas.microsoft.com/office/drawing/2014/main" xmlns="" id="{24120B54-FA71-46C9-875E-26DD2F501765}"/>
               </a:ext>
             </a:extLst>
           </p:cNvPr>
@@ -3835,7 +3835,7 @@
         <p:spPr>
           <a:xfrm>
             <a:off x="457549" y="597647"/>
-            <a:ext cx="10497496" cy="2031325"/>
+            <a:ext cx="10497496" cy="2585323"/>
           </a:xfrm>
           <a:prstGeom prst="rect">
             <a:avLst/>
@@ -3863,8 +3863,27 @@
             </a:pPr>
             <a:r>
               <a:rPr lang="en-US" dirty="0"/>
-              <a:t>Connect Planet to GEE</a:t>
-            </a:r>
+              <a:t>Connect Planet to </a:t>
+            </a:r>
+            <a:r>
+              <a:rPr lang="en-US" dirty="0" smtClean="0"/>
+              <a:t>GEE</a:t>
+            </a:r>
+          </a:p>
+          <a:p>
+            <a:pPr marL="285750" indent="-285750">
+              <a:buFontTx/>
+              <a:buChar char="-"/>
+            </a:pPr>
+            <a:r>
+              <a:rPr lang="en-US" dirty="0" smtClean="0"/>
+              <a:t>For classification Jake’s way: combine all years’ data to train one giant classifier instead of training and classifying for specific years’ data? (that way can use one year’s training points to </a:t>
+            </a:r>
+            <a:r>
+              <a:rPr lang="en-US" smtClean="0"/>
+              <a:t>classify another year)</a:t>
+            </a:r>
+            <a:endParaRPr lang="en-US" dirty="0"/>
           </a:p>
           <a:p>
             <a:pPr marL="285750" indent="-285750">
@@ -4320,7 +4339,7 @@
   <a:extraClrSchemeLst/>
   <a:extLst>
     <a:ext uri="{05A4C25C-085E-4340-85A3-A5531E510DB2}">
-      <thm15:themeFamily xmlns:thm15="http://schemas.microsoft.com/office/thememl/2012/main" name="Office Theme" id="{62F939B6-93AF-4DB8-9C6B-D6C7DFDC589F}" vid="{4A3C46E8-61CC-4603-A589-7422A47A8E4A}"/>
+      <thm15:themeFamily xmlns:thm15="http://schemas.microsoft.com/office/thememl/2012/main" xmlns="" name="Office Theme" id="{62F939B6-93AF-4DB8-9C6B-D6C7DFDC589F}" vid="{4A3C46E8-61CC-4603-A589-7422A47A8E4A}"/>
     </a:ext>
   </a:extLst>
 </a:theme>

--- a/Feb 7 2019.pptx
+++ b/Feb 7 2019.pptx
@@ -112,7 +112,7 @@
   </p:defaultTextStyle>
   <p:extLst>
     <p:ext uri="{EFAFB233-063F-42B5-8137-9DF3F51BA10A}">
-      <p15:sldGuideLst xmlns:p15="http://schemas.microsoft.com/office/powerpoint/2012/main" xmlns="">
+      <p15:sldGuideLst xmlns="" xmlns:p15="http://schemas.microsoft.com/office/powerpoint/2012/main">
         <p15:guide id="1" orient="horz" pos="2160">
           <p15:clr>
             <a:srgbClr val="A4A3A4"/>
@@ -151,7 +151,7 @@
           <p:cNvPr id="2" name="Title 1">
             <a:extLst>
               <a:ext uri="{FF2B5EF4-FFF2-40B4-BE49-F238E27FC236}">
-                <a16:creationId xmlns:a16="http://schemas.microsoft.com/office/drawing/2014/main" xmlns="" id="{E50D95AF-97A7-499E-A516-0490974DEC94}"/>
+                <a16:creationId xmlns="" xmlns:a16="http://schemas.microsoft.com/office/drawing/2014/main" id="{E50D95AF-97A7-499E-A516-0490974DEC94}"/>
               </a:ext>
             </a:extLst>
           </p:cNvPr>
@@ -188,7 +188,7 @@
           <p:cNvPr id="3" name="Subtitle 2">
             <a:extLst>
               <a:ext uri="{FF2B5EF4-FFF2-40B4-BE49-F238E27FC236}">
-                <a16:creationId xmlns:a16="http://schemas.microsoft.com/office/drawing/2014/main" xmlns="" id="{99CA7A50-BDD4-4DEC-AF24-2D06EF9634DB}"/>
+                <a16:creationId xmlns="" xmlns:a16="http://schemas.microsoft.com/office/drawing/2014/main" id="{99CA7A50-BDD4-4DEC-AF24-2D06EF9634DB}"/>
               </a:ext>
             </a:extLst>
           </p:cNvPr>
@@ -258,7 +258,7 @@
           <p:cNvPr id="4" name="Date Placeholder 3">
             <a:extLst>
               <a:ext uri="{FF2B5EF4-FFF2-40B4-BE49-F238E27FC236}">
-                <a16:creationId xmlns:a16="http://schemas.microsoft.com/office/drawing/2014/main" xmlns="" id="{BF90B57D-6A01-425A-B669-A64BDDF9520A}"/>
+                <a16:creationId xmlns="" xmlns:a16="http://schemas.microsoft.com/office/drawing/2014/main" id="{BF90B57D-6A01-425A-B669-A64BDDF9520A}"/>
               </a:ext>
             </a:extLst>
           </p:cNvPr>
@@ -287,7 +287,7 @@
           <p:cNvPr id="5" name="Footer Placeholder 4">
             <a:extLst>
               <a:ext uri="{FF2B5EF4-FFF2-40B4-BE49-F238E27FC236}">
-                <a16:creationId xmlns:a16="http://schemas.microsoft.com/office/drawing/2014/main" xmlns="" id="{04F34A89-98DC-4476-A1B3-50C9DF9B1C8D}"/>
+                <a16:creationId xmlns="" xmlns:a16="http://schemas.microsoft.com/office/drawing/2014/main" id="{04F34A89-98DC-4476-A1B3-50C9DF9B1C8D}"/>
               </a:ext>
             </a:extLst>
           </p:cNvPr>
@@ -312,7 +312,7 @@
           <p:cNvPr id="6" name="Slide Number Placeholder 5">
             <a:extLst>
               <a:ext uri="{FF2B5EF4-FFF2-40B4-BE49-F238E27FC236}">
-                <a16:creationId xmlns:a16="http://schemas.microsoft.com/office/drawing/2014/main" xmlns="" id="{3C8DAE2B-FBBF-49F8-AED0-707CF5B4F7F5}"/>
+                <a16:creationId xmlns="" xmlns:a16="http://schemas.microsoft.com/office/drawing/2014/main" id="{3C8DAE2B-FBBF-49F8-AED0-707CF5B4F7F5}"/>
               </a:ext>
             </a:extLst>
           </p:cNvPr>
@@ -371,7 +371,7 @@
           <p:cNvPr id="2" name="Title 1">
             <a:extLst>
               <a:ext uri="{FF2B5EF4-FFF2-40B4-BE49-F238E27FC236}">
-                <a16:creationId xmlns:a16="http://schemas.microsoft.com/office/drawing/2014/main" xmlns="" id="{A94A6E80-0230-4D48-A5F9-33175B861FE9}"/>
+                <a16:creationId xmlns="" xmlns:a16="http://schemas.microsoft.com/office/drawing/2014/main" id="{A94A6E80-0230-4D48-A5F9-33175B861FE9}"/>
               </a:ext>
             </a:extLst>
           </p:cNvPr>
@@ -399,7 +399,7 @@
           <p:cNvPr id="3" name="Vertical Text Placeholder 2">
             <a:extLst>
               <a:ext uri="{FF2B5EF4-FFF2-40B4-BE49-F238E27FC236}">
-                <a16:creationId xmlns:a16="http://schemas.microsoft.com/office/drawing/2014/main" xmlns="" id="{73EC05D4-032C-43C7-AC9F-A2AE09D9BD3E}"/>
+                <a16:creationId xmlns="" xmlns:a16="http://schemas.microsoft.com/office/drawing/2014/main" id="{73EC05D4-032C-43C7-AC9F-A2AE09D9BD3E}"/>
               </a:ext>
             </a:extLst>
           </p:cNvPr>
@@ -456,7 +456,7 @@
           <p:cNvPr id="4" name="Date Placeholder 3">
             <a:extLst>
               <a:ext uri="{FF2B5EF4-FFF2-40B4-BE49-F238E27FC236}">
-                <a16:creationId xmlns:a16="http://schemas.microsoft.com/office/drawing/2014/main" xmlns="" id="{48FE22D8-3C90-48A5-8C22-ABF006C346BF}"/>
+                <a16:creationId xmlns="" xmlns:a16="http://schemas.microsoft.com/office/drawing/2014/main" id="{48FE22D8-3C90-48A5-8C22-ABF006C346BF}"/>
               </a:ext>
             </a:extLst>
           </p:cNvPr>
@@ -485,7 +485,7 @@
           <p:cNvPr id="5" name="Footer Placeholder 4">
             <a:extLst>
               <a:ext uri="{FF2B5EF4-FFF2-40B4-BE49-F238E27FC236}">
-                <a16:creationId xmlns:a16="http://schemas.microsoft.com/office/drawing/2014/main" xmlns="" id="{56031874-2C7E-4276-8156-8042FC0F475E}"/>
+                <a16:creationId xmlns="" xmlns:a16="http://schemas.microsoft.com/office/drawing/2014/main" id="{56031874-2C7E-4276-8156-8042FC0F475E}"/>
               </a:ext>
             </a:extLst>
           </p:cNvPr>
@@ -510,7 +510,7 @@
           <p:cNvPr id="6" name="Slide Number Placeholder 5">
             <a:extLst>
               <a:ext uri="{FF2B5EF4-FFF2-40B4-BE49-F238E27FC236}">
-                <a16:creationId xmlns:a16="http://schemas.microsoft.com/office/drawing/2014/main" xmlns="" id="{AA6F1EBC-52C6-4C74-8594-3A37AFAEF254}"/>
+                <a16:creationId xmlns="" xmlns:a16="http://schemas.microsoft.com/office/drawing/2014/main" id="{AA6F1EBC-52C6-4C74-8594-3A37AFAEF254}"/>
               </a:ext>
             </a:extLst>
           </p:cNvPr>
@@ -569,7 +569,7 @@
           <p:cNvPr id="2" name="Vertical Title 1">
             <a:extLst>
               <a:ext uri="{FF2B5EF4-FFF2-40B4-BE49-F238E27FC236}">
-                <a16:creationId xmlns:a16="http://schemas.microsoft.com/office/drawing/2014/main" xmlns="" id="{C352BFF9-E495-4ADA-B60C-E121BB4991D2}"/>
+                <a16:creationId xmlns="" xmlns:a16="http://schemas.microsoft.com/office/drawing/2014/main" id="{C352BFF9-E495-4ADA-B60C-E121BB4991D2}"/>
               </a:ext>
             </a:extLst>
           </p:cNvPr>
@@ -602,7 +602,7 @@
           <p:cNvPr id="3" name="Vertical Text Placeholder 2">
             <a:extLst>
               <a:ext uri="{FF2B5EF4-FFF2-40B4-BE49-F238E27FC236}">
-                <a16:creationId xmlns:a16="http://schemas.microsoft.com/office/drawing/2014/main" xmlns="" id="{70F3CE26-A656-4E12-9598-9806FE7F9090}"/>
+                <a16:creationId xmlns="" xmlns:a16="http://schemas.microsoft.com/office/drawing/2014/main" id="{70F3CE26-A656-4E12-9598-9806FE7F9090}"/>
               </a:ext>
             </a:extLst>
           </p:cNvPr>
@@ -664,7 +664,7 @@
           <p:cNvPr id="4" name="Date Placeholder 3">
             <a:extLst>
               <a:ext uri="{FF2B5EF4-FFF2-40B4-BE49-F238E27FC236}">
-                <a16:creationId xmlns:a16="http://schemas.microsoft.com/office/drawing/2014/main" xmlns="" id="{CF908407-CC74-474A-9CE6-7503595127BC}"/>
+                <a16:creationId xmlns="" xmlns:a16="http://schemas.microsoft.com/office/drawing/2014/main" id="{CF908407-CC74-474A-9CE6-7503595127BC}"/>
               </a:ext>
             </a:extLst>
           </p:cNvPr>
@@ -693,7 +693,7 @@
           <p:cNvPr id="5" name="Footer Placeholder 4">
             <a:extLst>
               <a:ext uri="{FF2B5EF4-FFF2-40B4-BE49-F238E27FC236}">
-                <a16:creationId xmlns:a16="http://schemas.microsoft.com/office/drawing/2014/main" xmlns="" id="{CCA84AD7-4AE6-4D78-B91A-B74B081FD140}"/>
+                <a16:creationId xmlns="" xmlns:a16="http://schemas.microsoft.com/office/drawing/2014/main" id="{CCA84AD7-4AE6-4D78-B91A-B74B081FD140}"/>
               </a:ext>
             </a:extLst>
           </p:cNvPr>
@@ -718,7 +718,7 @@
           <p:cNvPr id="6" name="Slide Number Placeholder 5">
             <a:extLst>
               <a:ext uri="{FF2B5EF4-FFF2-40B4-BE49-F238E27FC236}">
-                <a16:creationId xmlns:a16="http://schemas.microsoft.com/office/drawing/2014/main" xmlns="" id="{0544573C-80A4-4D2C-B5E4-F3DB5D489804}"/>
+                <a16:creationId xmlns="" xmlns:a16="http://schemas.microsoft.com/office/drawing/2014/main" id="{0544573C-80A4-4D2C-B5E4-F3DB5D489804}"/>
               </a:ext>
             </a:extLst>
           </p:cNvPr>
@@ -777,7 +777,7 @@
           <p:cNvPr id="2" name="Title 1">
             <a:extLst>
               <a:ext uri="{FF2B5EF4-FFF2-40B4-BE49-F238E27FC236}">
-                <a16:creationId xmlns:a16="http://schemas.microsoft.com/office/drawing/2014/main" xmlns="" id="{248F1964-129B-4BBF-B495-30653B48D21C}"/>
+                <a16:creationId xmlns="" xmlns:a16="http://schemas.microsoft.com/office/drawing/2014/main" id="{248F1964-129B-4BBF-B495-30653B48D21C}"/>
               </a:ext>
             </a:extLst>
           </p:cNvPr>
@@ -805,7 +805,7 @@
           <p:cNvPr id="3" name="Content Placeholder 2">
             <a:extLst>
               <a:ext uri="{FF2B5EF4-FFF2-40B4-BE49-F238E27FC236}">
-                <a16:creationId xmlns:a16="http://schemas.microsoft.com/office/drawing/2014/main" xmlns="" id="{824D9178-F6C3-473F-9353-88B69CA3F5EA}"/>
+                <a16:creationId xmlns="" xmlns:a16="http://schemas.microsoft.com/office/drawing/2014/main" id="{824D9178-F6C3-473F-9353-88B69CA3F5EA}"/>
               </a:ext>
             </a:extLst>
           </p:cNvPr>
@@ -862,7 +862,7 @@
           <p:cNvPr id="4" name="Date Placeholder 3">
             <a:extLst>
               <a:ext uri="{FF2B5EF4-FFF2-40B4-BE49-F238E27FC236}">
-                <a16:creationId xmlns:a16="http://schemas.microsoft.com/office/drawing/2014/main" xmlns="" id="{2C51D15A-8EA0-4F1C-9B7B-844343E1B74E}"/>
+                <a16:creationId xmlns="" xmlns:a16="http://schemas.microsoft.com/office/drawing/2014/main" id="{2C51D15A-8EA0-4F1C-9B7B-844343E1B74E}"/>
               </a:ext>
             </a:extLst>
           </p:cNvPr>
@@ -891,7 +891,7 @@
           <p:cNvPr id="5" name="Footer Placeholder 4">
             <a:extLst>
               <a:ext uri="{FF2B5EF4-FFF2-40B4-BE49-F238E27FC236}">
-                <a16:creationId xmlns:a16="http://schemas.microsoft.com/office/drawing/2014/main" xmlns="" id="{9624C655-C281-4753-B248-83B71904E4CC}"/>
+                <a16:creationId xmlns="" xmlns:a16="http://schemas.microsoft.com/office/drawing/2014/main" id="{9624C655-C281-4753-B248-83B71904E4CC}"/>
               </a:ext>
             </a:extLst>
           </p:cNvPr>
@@ -916,7 +916,7 @@
           <p:cNvPr id="6" name="Slide Number Placeholder 5">
             <a:extLst>
               <a:ext uri="{FF2B5EF4-FFF2-40B4-BE49-F238E27FC236}">
-                <a16:creationId xmlns:a16="http://schemas.microsoft.com/office/drawing/2014/main" xmlns="" id="{2A066998-C518-40F2-9381-7D5418A189C1}"/>
+                <a16:creationId xmlns="" xmlns:a16="http://schemas.microsoft.com/office/drawing/2014/main" id="{2A066998-C518-40F2-9381-7D5418A189C1}"/>
               </a:ext>
             </a:extLst>
           </p:cNvPr>
@@ -975,7 +975,7 @@
           <p:cNvPr id="2" name="Title 1">
             <a:extLst>
               <a:ext uri="{FF2B5EF4-FFF2-40B4-BE49-F238E27FC236}">
-                <a16:creationId xmlns:a16="http://schemas.microsoft.com/office/drawing/2014/main" xmlns="" id="{75183681-8E5E-474B-8449-9F3E2662823D}"/>
+                <a16:creationId xmlns="" xmlns:a16="http://schemas.microsoft.com/office/drawing/2014/main" id="{75183681-8E5E-474B-8449-9F3E2662823D}"/>
               </a:ext>
             </a:extLst>
           </p:cNvPr>
@@ -1012,7 +1012,7 @@
           <p:cNvPr id="3" name="Text Placeholder 2">
             <a:extLst>
               <a:ext uri="{FF2B5EF4-FFF2-40B4-BE49-F238E27FC236}">
-                <a16:creationId xmlns:a16="http://schemas.microsoft.com/office/drawing/2014/main" xmlns="" id="{7063463B-1DD6-4F57-873B-C329AB32AC05}"/>
+                <a16:creationId xmlns="" xmlns:a16="http://schemas.microsoft.com/office/drawing/2014/main" id="{7063463B-1DD6-4F57-873B-C329AB32AC05}"/>
               </a:ext>
             </a:extLst>
           </p:cNvPr>
@@ -1137,7 +1137,7 @@
           <p:cNvPr id="4" name="Date Placeholder 3">
             <a:extLst>
               <a:ext uri="{FF2B5EF4-FFF2-40B4-BE49-F238E27FC236}">
-                <a16:creationId xmlns:a16="http://schemas.microsoft.com/office/drawing/2014/main" xmlns="" id="{7C326802-EB5E-4421-82C9-20594D665913}"/>
+                <a16:creationId xmlns="" xmlns:a16="http://schemas.microsoft.com/office/drawing/2014/main" id="{7C326802-EB5E-4421-82C9-20594D665913}"/>
               </a:ext>
             </a:extLst>
           </p:cNvPr>
@@ -1166,7 +1166,7 @@
           <p:cNvPr id="5" name="Footer Placeholder 4">
             <a:extLst>
               <a:ext uri="{FF2B5EF4-FFF2-40B4-BE49-F238E27FC236}">
-                <a16:creationId xmlns:a16="http://schemas.microsoft.com/office/drawing/2014/main" xmlns="" id="{439F4EA7-DE69-4F26-8202-48DE86A69AAA}"/>
+                <a16:creationId xmlns="" xmlns:a16="http://schemas.microsoft.com/office/drawing/2014/main" id="{439F4EA7-DE69-4F26-8202-48DE86A69AAA}"/>
               </a:ext>
             </a:extLst>
           </p:cNvPr>
@@ -1191,7 +1191,7 @@
           <p:cNvPr id="6" name="Slide Number Placeholder 5">
             <a:extLst>
               <a:ext uri="{FF2B5EF4-FFF2-40B4-BE49-F238E27FC236}">
-                <a16:creationId xmlns:a16="http://schemas.microsoft.com/office/drawing/2014/main" xmlns="" id="{53C0B134-BBA9-4F58-8847-384050FB9E83}"/>
+                <a16:creationId xmlns="" xmlns:a16="http://schemas.microsoft.com/office/drawing/2014/main" id="{53C0B134-BBA9-4F58-8847-384050FB9E83}"/>
               </a:ext>
             </a:extLst>
           </p:cNvPr>
@@ -1250,7 +1250,7 @@
           <p:cNvPr id="2" name="Title 1">
             <a:extLst>
               <a:ext uri="{FF2B5EF4-FFF2-40B4-BE49-F238E27FC236}">
-                <a16:creationId xmlns:a16="http://schemas.microsoft.com/office/drawing/2014/main" xmlns="" id="{597045F7-FF79-4A29-B9C9-A01853D39F12}"/>
+                <a16:creationId xmlns="" xmlns:a16="http://schemas.microsoft.com/office/drawing/2014/main" id="{597045F7-FF79-4A29-B9C9-A01853D39F12}"/>
               </a:ext>
             </a:extLst>
           </p:cNvPr>
@@ -1278,7 +1278,7 @@
           <p:cNvPr id="3" name="Content Placeholder 2">
             <a:extLst>
               <a:ext uri="{FF2B5EF4-FFF2-40B4-BE49-F238E27FC236}">
-                <a16:creationId xmlns:a16="http://schemas.microsoft.com/office/drawing/2014/main" xmlns="" id="{15015A6E-AB44-421A-8DE9-E68F900629FC}"/>
+                <a16:creationId xmlns="" xmlns:a16="http://schemas.microsoft.com/office/drawing/2014/main" id="{15015A6E-AB44-421A-8DE9-E68F900629FC}"/>
               </a:ext>
             </a:extLst>
           </p:cNvPr>
@@ -1340,7 +1340,7 @@
           <p:cNvPr id="4" name="Content Placeholder 3">
             <a:extLst>
               <a:ext uri="{FF2B5EF4-FFF2-40B4-BE49-F238E27FC236}">
-                <a16:creationId xmlns:a16="http://schemas.microsoft.com/office/drawing/2014/main" xmlns="" id="{4460644D-AF50-47DC-B92F-D691F24BD08B}"/>
+                <a16:creationId xmlns="" xmlns:a16="http://schemas.microsoft.com/office/drawing/2014/main" id="{4460644D-AF50-47DC-B92F-D691F24BD08B}"/>
               </a:ext>
             </a:extLst>
           </p:cNvPr>
@@ -1402,7 +1402,7 @@
           <p:cNvPr id="5" name="Date Placeholder 4">
             <a:extLst>
               <a:ext uri="{FF2B5EF4-FFF2-40B4-BE49-F238E27FC236}">
-                <a16:creationId xmlns:a16="http://schemas.microsoft.com/office/drawing/2014/main" xmlns="" id="{3EC57F61-C114-4AB2-A6CF-738C432BD8A4}"/>
+                <a16:creationId xmlns="" xmlns:a16="http://schemas.microsoft.com/office/drawing/2014/main" id="{3EC57F61-C114-4AB2-A6CF-738C432BD8A4}"/>
               </a:ext>
             </a:extLst>
           </p:cNvPr>
@@ -1431,7 +1431,7 @@
           <p:cNvPr id="6" name="Footer Placeholder 5">
             <a:extLst>
               <a:ext uri="{FF2B5EF4-FFF2-40B4-BE49-F238E27FC236}">
-                <a16:creationId xmlns:a16="http://schemas.microsoft.com/office/drawing/2014/main" xmlns="" id="{742E2F9E-13F1-4599-B696-4E1298263CA3}"/>
+                <a16:creationId xmlns="" xmlns:a16="http://schemas.microsoft.com/office/drawing/2014/main" id="{742E2F9E-13F1-4599-B696-4E1298263CA3}"/>
               </a:ext>
             </a:extLst>
           </p:cNvPr>
@@ -1456,7 +1456,7 @@
           <p:cNvPr id="7" name="Slide Number Placeholder 6">
             <a:extLst>
               <a:ext uri="{FF2B5EF4-FFF2-40B4-BE49-F238E27FC236}">
-                <a16:creationId xmlns:a16="http://schemas.microsoft.com/office/drawing/2014/main" xmlns="" id="{472D0EAA-E102-4DBA-9534-05BBB8C8C823}"/>
+                <a16:creationId xmlns="" xmlns:a16="http://schemas.microsoft.com/office/drawing/2014/main" id="{472D0EAA-E102-4DBA-9534-05BBB8C8C823}"/>
               </a:ext>
             </a:extLst>
           </p:cNvPr>
@@ -1515,7 +1515,7 @@
           <p:cNvPr id="2" name="Title 1">
             <a:extLst>
               <a:ext uri="{FF2B5EF4-FFF2-40B4-BE49-F238E27FC236}">
-                <a16:creationId xmlns:a16="http://schemas.microsoft.com/office/drawing/2014/main" xmlns="" id="{ECA33912-DFDC-434E-870A-16BEF9BC5C1C}"/>
+                <a16:creationId xmlns="" xmlns:a16="http://schemas.microsoft.com/office/drawing/2014/main" id="{ECA33912-DFDC-434E-870A-16BEF9BC5C1C}"/>
               </a:ext>
             </a:extLst>
           </p:cNvPr>
@@ -1548,7 +1548,7 @@
           <p:cNvPr id="3" name="Text Placeholder 2">
             <a:extLst>
               <a:ext uri="{FF2B5EF4-FFF2-40B4-BE49-F238E27FC236}">
-                <a16:creationId xmlns:a16="http://schemas.microsoft.com/office/drawing/2014/main" xmlns="" id="{F0ED805E-4735-4B69-8D81-4ED562165B5B}"/>
+                <a16:creationId xmlns="" xmlns:a16="http://schemas.microsoft.com/office/drawing/2014/main" id="{F0ED805E-4735-4B69-8D81-4ED562165B5B}"/>
               </a:ext>
             </a:extLst>
           </p:cNvPr>
@@ -1619,7 +1619,7 @@
           <p:cNvPr id="4" name="Content Placeholder 3">
             <a:extLst>
               <a:ext uri="{FF2B5EF4-FFF2-40B4-BE49-F238E27FC236}">
-                <a16:creationId xmlns:a16="http://schemas.microsoft.com/office/drawing/2014/main" xmlns="" id="{C62E0208-3A8A-481E-81E6-352BBF8422C4}"/>
+                <a16:creationId xmlns="" xmlns:a16="http://schemas.microsoft.com/office/drawing/2014/main" id="{C62E0208-3A8A-481E-81E6-352BBF8422C4}"/>
               </a:ext>
             </a:extLst>
           </p:cNvPr>
@@ -1681,7 +1681,7 @@
           <p:cNvPr id="5" name="Text Placeholder 4">
             <a:extLst>
               <a:ext uri="{FF2B5EF4-FFF2-40B4-BE49-F238E27FC236}">
-                <a16:creationId xmlns:a16="http://schemas.microsoft.com/office/drawing/2014/main" xmlns="" id="{9BE6BBFA-4B5E-4EB1-B8F2-D76088FFA6DB}"/>
+                <a16:creationId xmlns="" xmlns:a16="http://schemas.microsoft.com/office/drawing/2014/main" id="{9BE6BBFA-4B5E-4EB1-B8F2-D76088FFA6DB}"/>
               </a:ext>
             </a:extLst>
           </p:cNvPr>
@@ -1752,7 +1752,7 @@
           <p:cNvPr id="6" name="Content Placeholder 5">
             <a:extLst>
               <a:ext uri="{FF2B5EF4-FFF2-40B4-BE49-F238E27FC236}">
-                <a16:creationId xmlns:a16="http://schemas.microsoft.com/office/drawing/2014/main" xmlns="" id="{F33540AF-84C7-4839-8A35-A82249423D17}"/>
+                <a16:creationId xmlns="" xmlns:a16="http://schemas.microsoft.com/office/drawing/2014/main" id="{F33540AF-84C7-4839-8A35-A82249423D17}"/>
               </a:ext>
             </a:extLst>
           </p:cNvPr>
@@ -1814,7 +1814,7 @@
           <p:cNvPr id="7" name="Date Placeholder 6">
             <a:extLst>
               <a:ext uri="{FF2B5EF4-FFF2-40B4-BE49-F238E27FC236}">
-                <a16:creationId xmlns:a16="http://schemas.microsoft.com/office/drawing/2014/main" xmlns="" id="{CAF7F165-7E36-47B1-AF38-DB251AB6FF21}"/>
+                <a16:creationId xmlns="" xmlns:a16="http://schemas.microsoft.com/office/drawing/2014/main" id="{CAF7F165-7E36-47B1-AF38-DB251AB6FF21}"/>
               </a:ext>
             </a:extLst>
           </p:cNvPr>
@@ -1843,7 +1843,7 @@
           <p:cNvPr id="8" name="Footer Placeholder 7">
             <a:extLst>
               <a:ext uri="{FF2B5EF4-FFF2-40B4-BE49-F238E27FC236}">
-                <a16:creationId xmlns:a16="http://schemas.microsoft.com/office/drawing/2014/main" xmlns="" id="{ECFC46E1-FDC2-4A90-925D-51C194B5C563}"/>
+                <a16:creationId xmlns="" xmlns:a16="http://schemas.microsoft.com/office/drawing/2014/main" id="{ECFC46E1-FDC2-4A90-925D-51C194B5C563}"/>
               </a:ext>
             </a:extLst>
           </p:cNvPr>
@@ -1868,7 +1868,7 @@
           <p:cNvPr id="9" name="Slide Number Placeholder 8">
             <a:extLst>
               <a:ext uri="{FF2B5EF4-FFF2-40B4-BE49-F238E27FC236}">
-                <a16:creationId xmlns:a16="http://schemas.microsoft.com/office/drawing/2014/main" xmlns="" id="{FF495018-FA3A-484A-BB5F-1E177D516D85}"/>
+                <a16:creationId xmlns="" xmlns:a16="http://schemas.microsoft.com/office/drawing/2014/main" id="{FF495018-FA3A-484A-BB5F-1E177D516D85}"/>
               </a:ext>
             </a:extLst>
           </p:cNvPr>
@@ -1927,7 +1927,7 @@
           <p:cNvPr id="2" name="Title 1">
             <a:extLst>
               <a:ext uri="{FF2B5EF4-FFF2-40B4-BE49-F238E27FC236}">
-                <a16:creationId xmlns:a16="http://schemas.microsoft.com/office/drawing/2014/main" xmlns="" id="{8A5C0D21-E241-4DFE-888B-9CD386874B88}"/>
+                <a16:creationId xmlns="" xmlns:a16="http://schemas.microsoft.com/office/drawing/2014/main" id="{8A5C0D21-E241-4DFE-888B-9CD386874B88}"/>
               </a:ext>
             </a:extLst>
           </p:cNvPr>
@@ -1955,7 +1955,7 @@
           <p:cNvPr id="3" name="Date Placeholder 2">
             <a:extLst>
               <a:ext uri="{FF2B5EF4-FFF2-40B4-BE49-F238E27FC236}">
-                <a16:creationId xmlns:a16="http://schemas.microsoft.com/office/drawing/2014/main" xmlns="" id="{2054FAEB-B499-4C46-A057-D823649278E7}"/>
+                <a16:creationId xmlns="" xmlns:a16="http://schemas.microsoft.com/office/drawing/2014/main" id="{2054FAEB-B499-4C46-A057-D823649278E7}"/>
               </a:ext>
             </a:extLst>
           </p:cNvPr>
@@ -1984,7 +1984,7 @@
           <p:cNvPr id="4" name="Footer Placeholder 3">
             <a:extLst>
               <a:ext uri="{FF2B5EF4-FFF2-40B4-BE49-F238E27FC236}">
-                <a16:creationId xmlns:a16="http://schemas.microsoft.com/office/drawing/2014/main" xmlns="" id="{AE8200FE-854B-4DCB-9DC8-26C067E92A9B}"/>
+                <a16:creationId xmlns="" xmlns:a16="http://schemas.microsoft.com/office/drawing/2014/main" id="{AE8200FE-854B-4DCB-9DC8-26C067E92A9B}"/>
               </a:ext>
             </a:extLst>
           </p:cNvPr>
@@ -2009,7 +2009,7 @@
           <p:cNvPr id="5" name="Slide Number Placeholder 4">
             <a:extLst>
               <a:ext uri="{FF2B5EF4-FFF2-40B4-BE49-F238E27FC236}">
-                <a16:creationId xmlns:a16="http://schemas.microsoft.com/office/drawing/2014/main" xmlns="" id="{439D4B7F-CEC2-4CCA-9CD0-C7A9740654C6}"/>
+                <a16:creationId xmlns="" xmlns:a16="http://schemas.microsoft.com/office/drawing/2014/main" id="{439D4B7F-CEC2-4CCA-9CD0-C7A9740654C6}"/>
               </a:ext>
             </a:extLst>
           </p:cNvPr>
@@ -2068,7 +2068,7 @@
           <p:cNvPr id="2" name="Date Placeholder 1">
             <a:extLst>
               <a:ext uri="{FF2B5EF4-FFF2-40B4-BE49-F238E27FC236}">
-                <a16:creationId xmlns:a16="http://schemas.microsoft.com/office/drawing/2014/main" xmlns="" id="{242B8E4B-E8A4-446B-BBD2-4C200933B553}"/>
+                <a16:creationId xmlns="" xmlns:a16="http://schemas.microsoft.com/office/drawing/2014/main" id="{242B8E4B-E8A4-446B-BBD2-4C200933B553}"/>
               </a:ext>
             </a:extLst>
           </p:cNvPr>
@@ -2097,7 +2097,7 @@
           <p:cNvPr id="3" name="Footer Placeholder 2">
             <a:extLst>
               <a:ext uri="{FF2B5EF4-FFF2-40B4-BE49-F238E27FC236}">
-                <a16:creationId xmlns:a16="http://schemas.microsoft.com/office/drawing/2014/main" xmlns="" id="{7AA2D251-4BBB-4611-982A-25D9F2FF18DA}"/>
+                <a16:creationId xmlns="" xmlns:a16="http://schemas.microsoft.com/office/drawing/2014/main" id="{7AA2D251-4BBB-4611-982A-25D9F2FF18DA}"/>
               </a:ext>
             </a:extLst>
           </p:cNvPr>
@@ -2122,7 +2122,7 @@
           <p:cNvPr id="4" name="Slide Number Placeholder 3">
             <a:extLst>
               <a:ext uri="{FF2B5EF4-FFF2-40B4-BE49-F238E27FC236}">
-                <a16:creationId xmlns:a16="http://schemas.microsoft.com/office/drawing/2014/main" xmlns="" id="{3B6C922C-ED8B-47F2-9558-44C3B3E1875D}"/>
+                <a16:creationId xmlns="" xmlns:a16="http://schemas.microsoft.com/office/drawing/2014/main" id="{3B6C922C-ED8B-47F2-9558-44C3B3E1875D}"/>
               </a:ext>
             </a:extLst>
           </p:cNvPr>
@@ -2181,7 +2181,7 @@
           <p:cNvPr id="2" name="Title 1">
             <a:extLst>
               <a:ext uri="{FF2B5EF4-FFF2-40B4-BE49-F238E27FC236}">
-                <a16:creationId xmlns:a16="http://schemas.microsoft.com/office/drawing/2014/main" xmlns="" id="{B7BAAD0C-3AD2-4ECE-89F7-5777B6BF0ABE}"/>
+                <a16:creationId xmlns="" xmlns:a16="http://schemas.microsoft.com/office/drawing/2014/main" id="{B7BAAD0C-3AD2-4ECE-89F7-5777B6BF0ABE}"/>
               </a:ext>
             </a:extLst>
           </p:cNvPr>
@@ -2218,7 +2218,7 @@
           <p:cNvPr id="3" name="Content Placeholder 2">
             <a:extLst>
               <a:ext uri="{FF2B5EF4-FFF2-40B4-BE49-F238E27FC236}">
-                <a16:creationId xmlns:a16="http://schemas.microsoft.com/office/drawing/2014/main" xmlns="" id="{068CDC6F-FF7F-4D2E-99E3-A6BEC9D50BF8}"/>
+                <a16:creationId xmlns="" xmlns:a16="http://schemas.microsoft.com/office/drawing/2014/main" id="{068CDC6F-FF7F-4D2E-99E3-A6BEC9D50BF8}"/>
               </a:ext>
             </a:extLst>
           </p:cNvPr>
@@ -2308,7 +2308,7 @@
           <p:cNvPr id="4" name="Text Placeholder 3">
             <a:extLst>
               <a:ext uri="{FF2B5EF4-FFF2-40B4-BE49-F238E27FC236}">
-                <a16:creationId xmlns:a16="http://schemas.microsoft.com/office/drawing/2014/main" xmlns="" id="{07CDC96F-6154-4149-8340-85BED3325DFA}"/>
+                <a16:creationId xmlns="" xmlns:a16="http://schemas.microsoft.com/office/drawing/2014/main" id="{07CDC96F-6154-4149-8340-85BED3325DFA}"/>
               </a:ext>
             </a:extLst>
           </p:cNvPr>
@@ -2379,7 +2379,7 @@
           <p:cNvPr id="5" name="Date Placeholder 4">
             <a:extLst>
               <a:ext uri="{FF2B5EF4-FFF2-40B4-BE49-F238E27FC236}">
-                <a16:creationId xmlns:a16="http://schemas.microsoft.com/office/drawing/2014/main" xmlns="" id="{DA685885-A8AE-4B7F-9E25-8F2468B6E81D}"/>
+                <a16:creationId xmlns="" xmlns:a16="http://schemas.microsoft.com/office/drawing/2014/main" id="{DA685885-A8AE-4B7F-9E25-8F2468B6E81D}"/>
               </a:ext>
             </a:extLst>
           </p:cNvPr>
@@ -2408,7 +2408,7 @@
           <p:cNvPr id="6" name="Footer Placeholder 5">
             <a:extLst>
               <a:ext uri="{FF2B5EF4-FFF2-40B4-BE49-F238E27FC236}">
-                <a16:creationId xmlns:a16="http://schemas.microsoft.com/office/drawing/2014/main" xmlns="" id="{9E02A5BA-AC19-4934-8ED6-A41DE306CB25}"/>
+                <a16:creationId xmlns="" xmlns:a16="http://schemas.microsoft.com/office/drawing/2014/main" id="{9E02A5BA-AC19-4934-8ED6-A41DE306CB25}"/>
               </a:ext>
             </a:extLst>
           </p:cNvPr>
@@ -2433,7 +2433,7 @@
           <p:cNvPr id="7" name="Slide Number Placeholder 6">
             <a:extLst>
               <a:ext uri="{FF2B5EF4-FFF2-40B4-BE49-F238E27FC236}">
-                <a16:creationId xmlns:a16="http://schemas.microsoft.com/office/drawing/2014/main" xmlns="" id="{205EA19E-D768-4FAD-A61E-C87288249A0E}"/>
+                <a16:creationId xmlns="" xmlns:a16="http://schemas.microsoft.com/office/drawing/2014/main" id="{205EA19E-D768-4FAD-A61E-C87288249A0E}"/>
               </a:ext>
             </a:extLst>
           </p:cNvPr>
@@ -2492,7 +2492,7 @@
           <p:cNvPr id="2" name="Title 1">
             <a:extLst>
               <a:ext uri="{FF2B5EF4-FFF2-40B4-BE49-F238E27FC236}">
-                <a16:creationId xmlns:a16="http://schemas.microsoft.com/office/drawing/2014/main" xmlns="" id="{48F6670D-2C5A-4A5A-8B68-3DFE87FF25CB}"/>
+                <a16:creationId xmlns="" xmlns:a16="http://schemas.microsoft.com/office/drawing/2014/main" id="{48F6670D-2C5A-4A5A-8B68-3DFE87FF25CB}"/>
               </a:ext>
             </a:extLst>
           </p:cNvPr>
@@ -2529,7 +2529,7 @@
           <p:cNvPr id="3" name="Picture Placeholder 2">
             <a:extLst>
               <a:ext uri="{FF2B5EF4-FFF2-40B4-BE49-F238E27FC236}">
-                <a16:creationId xmlns:a16="http://schemas.microsoft.com/office/drawing/2014/main" xmlns="" id="{CBBDE5C0-1B84-4DAA-8BB3-71CDC26F70F6}"/>
+                <a16:creationId xmlns="" xmlns:a16="http://schemas.microsoft.com/office/drawing/2014/main" id="{CBBDE5C0-1B84-4DAA-8BB3-71CDC26F70F6}"/>
               </a:ext>
             </a:extLst>
           </p:cNvPr>
@@ -2596,7 +2596,7 @@
           <p:cNvPr id="4" name="Text Placeholder 3">
             <a:extLst>
               <a:ext uri="{FF2B5EF4-FFF2-40B4-BE49-F238E27FC236}">
-                <a16:creationId xmlns:a16="http://schemas.microsoft.com/office/drawing/2014/main" xmlns="" id="{1B2A8562-9280-48D0-920C-09F181A56A16}"/>
+                <a16:creationId xmlns="" xmlns:a16="http://schemas.microsoft.com/office/drawing/2014/main" id="{1B2A8562-9280-48D0-920C-09F181A56A16}"/>
               </a:ext>
             </a:extLst>
           </p:cNvPr>
@@ -2667,7 +2667,7 @@
           <p:cNvPr id="5" name="Date Placeholder 4">
             <a:extLst>
               <a:ext uri="{FF2B5EF4-FFF2-40B4-BE49-F238E27FC236}">
-                <a16:creationId xmlns:a16="http://schemas.microsoft.com/office/drawing/2014/main" xmlns="" id="{2BFA73D5-E3F4-4673-83ED-BE884F233A4A}"/>
+                <a16:creationId xmlns="" xmlns:a16="http://schemas.microsoft.com/office/drawing/2014/main" id="{2BFA73D5-E3F4-4673-83ED-BE884F233A4A}"/>
               </a:ext>
             </a:extLst>
           </p:cNvPr>
@@ -2696,7 +2696,7 @@
           <p:cNvPr id="6" name="Footer Placeholder 5">
             <a:extLst>
               <a:ext uri="{FF2B5EF4-FFF2-40B4-BE49-F238E27FC236}">
-                <a16:creationId xmlns:a16="http://schemas.microsoft.com/office/drawing/2014/main" xmlns="" id="{EB3136A3-18EE-4695-8D1A-B17B3E818424}"/>
+                <a16:creationId xmlns="" xmlns:a16="http://schemas.microsoft.com/office/drawing/2014/main" id="{EB3136A3-18EE-4695-8D1A-B17B3E818424}"/>
               </a:ext>
             </a:extLst>
           </p:cNvPr>
@@ -2721,7 +2721,7 @@
           <p:cNvPr id="7" name="Slide Number Placeholder 6">
             <a:extLst>
               <a:ext uri="{FF2B5EF4-FFF2-40B4-BE49-F238E27FC236}">
-                <a16:creationId xmlns:a16="http://schemas.microsoft.com/office/drawing/2014/main" xmlns="" id="{62BDFA49-917C-476A-9350-4CC642148BB8}"/>
+                <a16:creationId xmlns="" xmlns:a16="http://schemas.microsoft.com/office/drawing/2014/main" id="{62BDFA49-917C-476A-9350-4CC642148BB8}"/>
               </a:ext>
             </a:extLst>
           </p:cNvPr>
@@ -2785,7 +2785,7 @@
           <p:cNvPr id="2" name="Title Placeholder 1">
             <a:extLst>
               <a:ext uri="{FF2B5EF4-FFF2-40B4-BE49-F238E27FC236}">
-                <a16:creationId xmlns:a16="http://schemas.microsoft.com/office/drawing/2014/main" xmlns="" id="{EF7B301A-3BCD-4B51-85AE-60DA5930999F}"/>
+                <a16:creationId xmlns="" xmlns:a16="http://schemas.microsoft.com/office/drawing/2014/main" id="{EF7B301A-3BCD-4B51-85AE-60DA5930999F}"/>
               </a:ext>
             </a:extLst>
           </p:cNvPr>
@@ -2823,7 +2823,7 @@
           <p:cNvPr id="3" name="Text Placeholder 2">
             <a:extLst>
               <a:ext uri="{FF2B5EF4-FFF2-40B4-BE49-F238E27FC236}">
-                <a16:creationId xmlns:a16="http://schemas.microsoft.com/office/drawing/2014/main" xmlns="" id="{93FC0852-6711-42B8-B2D5-DB0FD0100B25}"/>
+                <a16:creationId xmlns="" xmlns:a16="http://schemas.microsoft.com/office/drawing/2014/main" id="{93FC0852-6711-42B8-B2D5-DB0FD0100B25}"/>
               </a:ext>
             </a:extLst>
           </p:cNvPr>
@@ -2890,7 +2890,7 @@
           <p:cNvPr id="4" name="Date Placeholder 3">
             <a:extLst>
               <a:ext uri="{FF2B5EF4-FFF2-40B4-BE49-F238E27FC236}">
-                <a16:creationId xmlns:a16="http://schemas.microsoft.com/office/drawing/2014/main" xmlns="" id="{1F1C6DF6-9265-4ACB-95D8-C2B368E656D4}"/>
+                <a16:creationId xmlns="" xmlns:a16="http://schemas.microsoft.com/office/drawing/2014/main" id="{1F1C6DF6-9265-4ACB-95D8-C2B368E656D4}"/>
               </a:ext>
             </a:extLst>
           </p:cNvPr>
@@ -2937,7 +2937,7 @@
           <p:cNvPr id="5" name="Footer Placeholder 4">
             <a:extLst>
               <a:ext uri="{FF2B5EF4-FFF2-40B4-BE49-F238E27FC236}">
-                <a16:creationId xmlns:a16="http://schemas.microsoft.com/office/drawing/2014/main" xmlns="" id="{8B5C077E-EC26-4869-BAD9-AE69516BF7E9}"/>
+                <a16:creationId xmlns="" xmlns:a16="http://schemas.microsoft.com/office/drawing/2014/main" id="{8B5C077E-EC26-4869-BAD9-AE69516BF7E9}"/>
               </a:ext>
             </a:extLst>
           </p:cNvPr>
@@ -2980,7 +2980,7 @@
           <p:cNvPr id="6" name="Slide Number Placeholder 5">
             <a:extLst>
               <a:ext uri="{FF2B5EF4-FFF2-40B4-BE49-F238E27FC236}">
-                <a16:creationId xmlns:a16="http://schemas.microsoft.com/office/drawing/2014/main" xmlns="" id="{388DDDA6-DFD4-4AAE-8A35-ABCFC7FE1BC6}"/>
+                <a16:creationId xmlns="" xmlns:a16="http://schemas.microsoft.com/office/drawing/2014/main" id="{388DDDA6-DFD4-4AAE-8A35-ABCFC7FE1BC6}"/>
               </a:ext>
             </a:extLst>
           </p:cNvPr>
@@ -3348,7 +3348,7 @@
           <p:cNvPr id="2" name="Title 1">
             <a:extLst>
               <a:ext uri="{FF2B5EF4-FFF2-40B4-BE49-F238E27FC236}">
-                <a16:creationId xmlns:a16="http://schemas.microsoft.com/office/drawing/2014/main" xmlns="" id="{795DF6DF-5674-4CF0-8560-B74D60B3FE8B}"/>
+                <a16:creationId xmlns="" xmlns:a16="http://schemas.microsoft.com/office/drawing/2014/main" id="{795DF6DF-5674-4CF0-8560-B74D60B3FE8B}"/>
               </a:ext>
             </a:extLst>
           </p:cNvPr>
@@ -3378,7 +3378,7 @@
           <p:cNvPr id="3" name="Subtitle 2">
             <a:extLst>
               <a:ext uri="{FF2B5EF4-FFF2-40B4-BE49-F238E27FC236}">
-                <a16:creationId xmlns:a16="http://schemas.microsoft.com/office/drawing/2014/main" xmlns="" id="{3C52D33D-F581-479E-A890-CEE3F50D28C0}"/>
+                <a16:creationId xmlns="" xmlns:a16="http://schemas.microsoft.com/office/drawing/2014/main" id="{3C52D33D-F581-479E-A890-CEE3F50D28C0}"/>
               </a:ext>
             </a:extLst>
           </p:cNvPr>
@@ -3503,7 +3503,7 @@
           <p:cNvPr id="3" name="Rectangle 2">
             <a:extLst>
               <a:ext uri="{FF2B5EF4-FFF2-40B4-BE49-F238E27FC236}">
-                <a16:creationId xmlns:a16="http://schemas.microsoft.com/office/drawing/2014/main" xmlns="" id="{5C7D8DAE-46E0-423B-A4C1-54DC12891A80}"/>
+                <a16:creationId xmlns="" xmlns:a16="http://schemas.microsoft.com/office/drawing/2014/main" id="{5C7D8DAE-46E0-423B-A4C1-54DC12891A80}"/>
               </a:ext>
             </a:extLst>
           </p:cNvPr>
@@ -3697,7 +3697,7 @@
           <p:cNvPr id="2" name="Rectangle 1">
             <a:extLst>
               <a:ext uri="{FF2B5EF4-FFF2-40B4-BE49-F238E27FC236}">
-                <a16:creationId xmlns:a16="http://schemas.microsoft.com/office/drawing/2014/main" xmlns="" id="{24120B54-FA71-46C9-875E-26DD2F501765}"/>
+                <a16:creationId xmlns="" xmlns:a16="http://schemas.microsoft.com/office/drawing/2014/main" id="{24120B54-FA71-46C9-875E-26DD2F501765}"/>
               </a:ext>
             </a:extLst>
           </p:cNvPr>
@@ -3835,7 +3835,7 @@
         <p:spPr>
           <a:xfrm>
             <a:off x="457549" y="597647"/>
-            <a:ext cx="10497496" cy="2585323"/>
+            <a:ext cx="10497496" cy="3139321"/>
           </a:xfrm>
           <a:prstGeom prst="rect">
             <a:avLst/>
@@ -3877,13 +3877,13 @@
             </a:pPr>
             <a:r>
               <a:rPr lang="en-US" dirty="0" smtClean="0"/>
-              <a:t>For classification Jake’s way: combine all years’ data to train one giant classifier instead of training and classifying for specific years’ data? (that way can use one year’s training points to </a:t>
+              <a:t>Under OBIA script in GEE training, for object based image analysis, see if can automatically get me </a:t>
             </a:r>
             <a:r>
               <a:rPr lang="en-US" smtClean="0"/>
-              <a:t>classify another year)</a:t>
-            </a:r>
-            <a:endParaRPr lang="en-US" dirty="0"/>
+              <a:t>individual fields</a:t>
+            </a:r>
+            <a:endParaRPr lang="en-US" dirty="0" smtClean="0"/>
           </a:p>
           <a:p>
             <a:pPr marL="285750" indent="-285750">
@@ -3891,6 +3891,17 @@
               <a:buChar char="-"/>
             </a:pPr>
             <a:r>
+              <a:rPr lang="en-US" dirty="0" smtClean="0"/>
+              <a:t>For classification Jake’s way: combine all years’ data to train one giant classifier instead of training and classifying for specific years’ data? (that way can use one year’s training points to classify another year)</a:t>
+            </a:r>
+            <a:endParaRPr lang="en-US" dirty="0"/>
+          </a:p>
+          <a:p>
+            <a:pPr marL="285750" indent="-285750">
+              <a:buFontTx/>
+              <a:buChar char="-"/>
+            </a:pPr>
+            <a:r>
               <a:rPr lang="en-US" dirty="0"/>
               <a:t>Produce validation dataset out of this month’s image downloads) (SC vs DC; planting and harvest date)</a:t>
             </a:r>
@@ -3923,6 +3934,129 @@
             <a:r>
               <a:rPr lang="en-US" dirty="0"/>
               <a:t>Dense area of soy training points</a:t>
+            </a:r>
+          </a:p>
+        </p:txBody>
+      </p:sp>
+      <p:sp>
+        <p:nvSpPr>
+          <p:cNvPr id="3" name="Rectangle 2"/>
+          <p:cNvSpPr/>
+          <p:nvPr/>
+        </p:nvSpPr>
+        <p:spPr>
+          <a:xfrm>
+            <a:off x="1480149" y="4328906"/>
+            <a:ext cx="6096000" cy="2308324"/>
+          </a:xfrm>
+          <a:prstGeom prst="rect">
+            <a:avLst/>
+          </a:prstGeom>
+        </p:spPr>
+        <p:txBody>
+          <a:bodyPr>
+            <a:spAutoFit/>
+          </a:bodyPr>
+          <a:lstStyle/>
+          <a:p>
+            <a:r>
+              <a:rPr lang="en-US" dirty="0" err="1"/>
+              <a:t>Colab</a:t>
+            </a:r>
+            <a:r>
+              <a:rPr lang="en-US" dirty="0"/>
+              <a:t>: best way to use Python API with GEE (</a:t>
+            </a:r>
+            <a:r>
+              <a:rPr lang="en-US" dirty="0" err="1"/>
+              <a:t>ipython</a:t>
+            </a:r>
+            <a:r>
+              <a:rPr lang="en-US" dirty="0"/>
+              <a:t> notebook server)</a:t>
+            </a:r>
+          </a:p>
+          <a:p>
+            <a:r>
+              <a:rPr lang="en-US" dirty="0"/>
+              <a:t>Do pip install </a:t>
+            </a:r>
+            <a:r>
+              <a:rPr lang="en-US" dirty="0" err="1"/>
+              <a:t>earthengine-api</a:t>
+            </a:r>
+            <a:r>
+              <a:rPr lang="en-US" dirty="0"/>
+              <a:t> in </a:t>
+            </a:r>
+            <a:r>
+              <a:rPr lang="en-US" dirty="0" err="1"/>
+              <a:t>colab</a:t>
+            </a:r>
+            <a:r>
+              <a:rPr lang="en-US" dirty="0"/>
+              <a:t> to get virtual machine</a:t>
+            </a:r>
+          </a:p>
+          <a:p>
+            <a:r>
+              <a:rPr lang="en-US" dirty="0"/>
+              <a:t>Import </a:t>
+            </a:r>
+            <a:r>
+              <a:rPr lang="en-US" dirty="0" err="1"/>
+              <a:t>ee</a:t>
+            </a:r>
+            <a:endParaRPr lang="en-US" dirty="0"/>
+          </a:p>
+          <a:p>
+            <a:r>
+              <a:rPr lang="en-US" dirty="0" err="1"/>
+              <a:t>ee.Initialize</a:t>
+            </a:r>
+            <a:r>
+              <a:rPr lang="en-US" dirty="0"/>
+              <a:t>()</a:t>
+            </a:r>
+          </a:p>
+          <a:p>
+            <a:r>
+              <a:rPr lang="en-US" dirty="0" err="1"/>
+              <a:t>ee.batch.Task.list</a:t>
+            </a:r>
+            <a:r>
+              <a:rPr lang="en-US" dirty="0"/>
+              <a:t>() – proves can use earth engine</a:t>
+            </a:r>
+          </a:p>
+          <a:p>
+            <a:r>
+              <a:rPr lang="en-US" dirty="0"/>
+              <a:t>Docs: </a:t>
+            </a:r>
+            <a:r>
+              <a:rPr lang="en-US" dirty="0" err="1"/>
+              <a:t>github</a:t>
+            </a:r>
+            <a:r>
+              <a:rPr lang="en-US" dirty="0"/>
+              <a:t>/</a:t>
+            </a:r>
+            <a:r>
+              <a:rPr lang="en-US" dirty="0" err="1"/>
+              <a:t>earthengine-api</a:t>
+            </a:r>
+            <a:r>
+              <a:rPr lang="en-US" dirty="0"/>
+              <a:t> -&gt; python -&gt; examples -&gt; </a:t>
+            </a:r>
+            <a:r>
+              <a:rPr lang="en-US" dirty="0" err="1"/>
+              <a:t>ipynb</a:t>
+            </a:r>
+            <a:r>
+              <a:rPr lang="en-US" dirty="0"/>
+              <a:t> -&gt; example stuff</a:t>
             </a:r>
           </a:p>
         </p:txBody>
@@ -4339,7 +4473,7 @@
   <a:extraClrSchemeLst/>
   <a:extLst>
     <a:ext uri="{05A4C25C-085E-4340-85A3-A5531E510DB2}">
-      <thm15:themeFamily xmlns:thm15="http://schemas.microsoft.com/office/thememl/2012/main" xmlns="" name="Office Theme" id="{62F939B6-93AF-4DB8-9C6B-D6C7DFDC589F}" vid="{4A3C46E8-61CC-4603-A589-7422A47A8E4A}"/>
+      <thm15:themeFamily xmlns="" xmlns:thm15="http://schemas.microsoft.com/office/thememl/2012/main" name="Office Theme" id="{62F939B6-93AF-4DB8-9C6B-D6C7DFDC589F}" vid="{4A3C46E8-61CC-4603-A589-7422A47A8E4A}"/>
     </a:ext>
   </a:extLst>
 </a:theme>

--- a/Feb 7 2019.pptx
+++ b/Feb 7 2019.pptx
@@ -9,9 +9,10 @@
     <p:sldId id="266" r:id="rId3"/>
     <p:sldId id="298" r:id="rId4"/>
     <p:sldId id="299" r:id="rId5"/>
-    <p:sldId id="272" r:id="rId6"/>
-    <p:sldId id="270" r:id="rId7"/>
-    <p:sldId id="288" r:id="rId8"/>
+    <p:sldId id="300" r:id="rId6"/>
+    <p:sldId id="272" r:id="rId7"/>
+    <p:sldId id="270" r:id="rId8"/>
+    <p:sldId id="288" r:id="rId9"/>
   </p:sldIdLst>
   <p:sldSz cx="12192000" cy="6858000"/>
   <p:notesSz cx="6858000" cy="9144000"/>
@@ -112,7 +113,7 @@
   </p:defaultTextStyle>
   <p:extLst>
     <p:ext uri="{EFAFB233-063F-42B5-8137-9DF3F51BA10A}">
-      <p15:sldGuideLst xmlns="" xmlns:p15="http://schemas.microsoft.com/office/powerpoint/2012/main">
+      <p15:sldGuideLst xmlns:p15="http://schemas.microsoft.com/office/powerpoint/2012/main">
         <p15:guide id="1" orient="horz" pos="2160">
           <p15:clr>
             <a:srgbClr val="A4A3A4"/>
@@ -151,7 +152,7 @@
           <p:cNvPr id="2" name="Title 1">
             <a:extLst>
               <a:ext uri="{FF2B5EF4-FFF2-40B4-BE49-F238E27FC236}">
-                <a16:creationId xmlns="" xmlns:a16="http://schemas.microsoft.com/office/drawing/2014/main" id="{E50D95AF-97A7-499E-A516-0490974DEC94}"/>
+                <a16:creationId xmlns:a16="http://schemas.microsoft.com/office/drawing/2014/main" id="{E50D95AF-97A7-499E-A516-0490974DEC94}"/>
               </a:ext>
             </a:extLst>
           </p:cNvPr>
@@ -188,7 +189,7 @@
           <p:cNvPr id="3" name="Subtitle 2">
             <a:extLst>
               <a:ext uri="{FF2B5EF4-FFF2-40B4-BE49-F238E27FC236}">
-                <a16:creationId xmlns="" xmlns:a16="http://schemas.microsoft.com/office/drawing/2014/main" id="{99CA7A50-BDD4-4DEC-AF24-2D06EF9634DB}"/>
+                <a16:creationId xmlns:a16="http://schemas.microsoft.com/office/drawing/2014/main" id="{99CA7A50-BDD4-4DEC-AF24-2D06EF9634DB}"/>
               </a:ext>
             </a:extLst>
           </p:cNvPr>
@@ -258,7 +259,7 @@
           <p:cNvPr id="4" name="Date Placeholder 3">
             <a:extLst>
               <a:ext uri="{FF2B5EF4-FFF2-40B4-BE49-F238E27FC236}">
-                <a16:creationId xmlns="" xmlns:a16="http://schemas.microsoft.com/office/drawing/2014/main" id="{BF90B57D-6A01-425A-B669-A64BDDF9520A}"/>
+                <a16:creationId xmlns:a16="http://schemas.microsoft.com/office/drawing/2014/main" id="{BF90B57D-6A01-425A-B669-A64BDDF9520A}"/>
               </a:ext>
             </a:extLst>
           </p:cNvPr>
@@ -276,7 +277,7 @@
           <a:p>
             <a:fld id="{4109A3AE-CEB5-4D63-8C4E-0A0F41805711}" type="datetimeFigureOut">
               <a:rPr lang="en-US" smtClean="0"/>
-              <a:t>2/1/19</a:t>
+              <a:t>2/5/2019</a:t>
             </a:fld>
             <a:endParaRPr lang="en-US"/>
           </a:p>
@@ -287,7 +288,7 @@
           <p:cNvPr id="5" name="Footer Placeholder 4">
             <a:extLst>
               <a:ext uri="{FF2B5EF4-FFF2-40B4-BE49-F238E27FC236}">
-                <a16:creationId xmlns="" xmlns:a16="http://schemas.microsoft.com/office/drawing/2014/main" id="{04F34A89-98DC-4476-A1B3-50C9DF9B1C8D}"/>
+                <a16:creationId xmlns:a16="http://schemas.microsoft.com/office/drawing/2014/main" id="{04F34A89-98DC-4476-A1B3-50C9DF9B1C8D}"/>
               </a:ext>
             </a:extLst>
           </p:cNvPr>
@@ -312,7 +313,7 @@
           <p:cNvPr id="6" name="Slide Number Placeholder 5">
             <a:extLst>
               <a:ext uri="{FF2B5EF4-FFF2-40B4-BE49-F238E27FC236}">
-                <a16:creationId xmlns="" xmlns:a16="http://schemas.microsoft.com/office/drawing/2014/main" id="{3C8DAE2B-FBBF-49F8-AED0-707CF5B4F7F5}"/>
+                <a16:creationId xmlns:a16="http://schemas.microsoft.com/office/drawing/2014/main" id="{3C8DAE2B-FBBF-49F8-AED0-707CF5B4F7F5}"/>
               </a:ext>
             </a:extLst>
           </p:cNvPr>
@@ -371,7 +372,7 @@
           <p:cNvPr id="2" name="Title 1">
             <a:extLst>
               <a:ext uri="{FF2B5EF4-FFF2-40B4-BE49-F238E27FC236}">
-                <a16:creationId xmlns="" xmlns:a16="http://schemas.microsoft.com/office/drawing/2014/main" id="{A94A6E80-0230-4D48-A5F9-33175B861FE9}"/>
+                <a16:creationId xmlns:a16="http://schemas.microsoft.com/office/drawing/2014/main" id="{A94A6E80-0230-4D48-A5F9-33175B861FE9}"/>
               </a:ext>
             </a:extLst>
           </p:cNvPr>
@@ -399,7 +400,7 @@
           <p:cNvPr id="3" name="Vertical Text Placeholder 2">
             <a:extLst>
               <a:ext uri="{FF2B5EF4-FFF2-40B4-BE49-F238E27FC236}">
-                <a16:creationId xmlns="" xmlns:a16="http://schemas.microsoft.com/office/drawing/2014/main" id="{73EC05D4-032C-43C7-AC9F-A2AE09D9BD3E}"/>
+                <a16:creationId xmlns:a16="http://schemas.microsoft.com/office/drawing/2014/main" id="{73EC05D4-032C-43C7-AC9F-A2AE09D9BD3E}"/>
               </a:ext>
             </a:extLst>
           </p:cNvPr>
@@ -456,7 +457,7 @@
           <p:cNvPr id="4" name="Date Placeholder 3">
             <a:extLst>
               <a:ext uri="{FF2B5EF4-FFF2-40B4-BE49-F238E27FC236}">
-                <a16:creationId xmlns="" xmlns:a16="http://schemas.microsoft.com/office/drawing/2014/main" id="{48FE22D8-3C90-48A5-8C22-ABF006C346BF}"/>
+                <a16:creationId xmlns:a16="http://schemas.microsoft.com/office/drawing/2014/main" id="{48FE22D8-3C90-48A5-8C22-ABF006C346BF}"/>
               </a:ext>
             </a:extLst>
           </p:cNvPr>
@@ -474,7 +475,7 @@
           <a:p>
             <a:fld id="{4109A3AE-CEB5-4D63-8C4E-0A0F41805711}" type="datetimeFigureOut">
               <a:rPr lang="en-US" smtClean="0"/>
-              <a:t>2/1/19</a:t>
+              <a:t>2/5/2019</a:t>
             </a:fld>
             <a:endParaRPr lang="en-US"/>
           </a:p>
@@ -485,7 +486,7 @@
           <p:cNvPr id="5" name="Footer Placeholder 4">
             <a:extLst>
               <a:ext uri="{FF2B5EF4-FFF2-40B4-BE49-F238E27FC236}">
-                <a16:creationId xmlns="" xmlns:a16="http://schemas.microsoft.com/office/drawing/2014/main" id="{56031874-2C7E-4276-8156-8042FC0F475E}"/>
+                <a16:creationId xmlns:a16="http://schemas.microsoft.com/office/drawing/2014/main" id="{56031874-2C7E-4276-8156-8042FC0F475E}"/>
               </a:ext>
             </a:extLst>
           </p:cNvPr>
@@ -510,7 +511,7 @@
           <p:cNvPr id="6" name="Slide Number Placeholder 5">
             <a:extLst>
               <a:ext uri="{FF2B5EF4-FFF2-40B4-BE49-F238E27FC236}">
-                <a16:creationId xmlns="" xmlns:a16="http://schemas.microsoft.com/office/drawing/2014/main" id="{AA6F1EBC-52C6-4C74-8594-3A37AFAEF254}"/>
+                <a16:creationId xmlns:a16="http://schemas.microsoft.com/office/drawing/2014/main" id="{AA6F1EBC-52C6-4C74-8594-3A37AFAEF254}"/>
               </a:ext>
             </a:extLst>
           </p:cNvPr>
@@ -569,7 +570,7 @@
           <p:cNvPr id="2" name="Vertical Title 1">
             <a:extLst>
               <a:ext uri="{FF2B5EF4-FFF2-40B4-BE49-F238E27FC236}">
-                <a16:creationId xmlns="" xmlns:a16="http://schemas.microsoft.com/office/drawing/2014/main" id="{C352BFF9-E495-4ADA-B60C-E121BB4991D2}"/>
+                <a16:creationId xmlns:a16="http://schemas.microsoft.com/office/drawing/2014/main" id="{C352BFF9-E495-4ADA-B60C-E121BB4991D2}"/>
               </a:ext>
             </a:extLst>
           </p:cNvPr>
@@ -602,7 +603,7 @@
           <p:cNvPr id="3" name="Vertical Text Placeholder 2">
             <a:extLst>
               <a:ext uri="{FF2B5EF4-FFF2-40B4-BE49-F238E27FC236}">
-                <a16:creationId xmlns="" xmlns:a16="http://schemas.microsoft.com/office/drawing/2014/main" id="{70F3CE26-A656-4E12-9598-9806FE7F9090}"/>
+                <a16:creationId xmlns:a16="http://schemas.microsoft.com/office/drawing/2014/main" id="{70F3CE26-A656-4E12-9598-9806FE7F9090}"/>
               </a:ext>
             </a:extLst>
           </p:cNvPr>
@@ -664,7 +665,7 @@
           <p:cNvPr id="4" name="Date Placeholder 3">
             <a:extLst>
               <a:ext uri="{FF2B5EF4-FFF2-40B4-BE49-F238E27FC236}">
-                <a16:creationId xmlns="" xmlns:a16="http://schemas.microsoft.com/office/drawing/2014/main" id="{CF908407-CC74-474A-9CE6-7503595127BC}"/>
+                <a16:creationId xmlns:a16="http://schemas.microsoft.com/office/drawing/2014/main" id="{CF908407-CC74-474A-9CE6-7503595127BC}"/>
               </a:ext>
             </a:extLst>
           </p:cNvPr>
@@ -682,7 +683,7 @@
           <a:p>
             <a:fld id="{4109A3AE-CEB5-4D63-8C4E-0A0F41805711}" type="datetimeFigureOut">
               <a:rPr lang="en-US" smtClean="0"/>
-              <a:t>2/1/19</a:t>
+              <a:t>2/5/2019</a:t>
             </a:fld>
             <a:endParaRPr lang="en-US"/>
           </a:p>
@@ -693,7 +694,7 @@
           <p:cNvPr id="5" name="Footer Placeholder 4">
             <a:extLst>
               <a:ext uri="{FF2B5EF4-FFF2-40B4-BE49-F238E27FC236}">
-                <a16:creationId xmlns="" xmlns:a16="http://schemas.microsoft.com/office/drawing/2014/main" id="{CCA84AD7-4AE6-4D78-B91A-B74B081FD140}"/>
+                <a16:creationId xmlns:a16="http://schemas.microsoft.com/office/drawing/2014/main" id="{CCA84AD7-4AE6-4D78-B91A-B74B081FD140}"/>
               </a:ext>
             </a:extLst>
           </p:cNvPr>
@@ -718,7 +719,7 @@
           <p:cNvPr id="6" name="Slide Number Placeholder 5">
             <a:extLst>
               <a:ext uri="{FF2B5EF4-FFF2-40B4-BE49-F238E27FC236}">
-                <a16:creationId xmlns="" xmlns:a16="http://schemas.microsoft.com/office/drawing/2014/main" id="{0544573C-80A4-4D2C-B5E4-F3DB5D489804}"/>
+                <a16:creationId xmlns:a16="http://schemas.microsoft.com/office/drawing/2014/main" id="{0544573C-80A4-4D2C-B5E4-F3DB5D489804}"/>
               </a:ext>
             </a:extLst>
           </p:cNvPr>
@@ -777,7 +778,7 @@
           <p:cNvPr id="2" name="Title 1">
             <a:extLst>
               <a:ext uri="{FF2B5EF4-FFF2-40B4-BE49-F238E27FC236}">
-                <a16:creationId xmlns="" xmlns:a16="http://schemas.microsoft.com/office/drawing/2014/main" id="{248F1964-129B-4BBF-B495-30653B48D21C}"/>
+                <a16:creationId xmlns:a16="http://schemas.microsoft.com/office/drawing/2014/main" id="{248F1964-129B-4BBF-B495-30653B48D21C}"/>
               </a:ext>
             </a:extLst>
           </p:cNvPr>
@@ -805,7 +806,7 @@
           <p:cNvPr id="3" name="Content Placeholder 2">
             <a:extLst>
               <a:ext uri="{FF2B5EF4-FFF2-40B4-BE49-F238E27FC236}">
-                <a16:creationId xmlns="" xmlns:a16="http://schemas.microsoft.com/office/drawing/2014/main" id="{824D9178-F6C3-473F-9353-88B69CA3F5EA}"/>
+                <a16:creationId xmlns:a16="http://schemas.microsoft.com/office/drawing/2014/main" id="{824D9178-F6C3-473F-9353-88B69CA3F5EA}"/>
               </a:ext>
             </a:extLst>
           </p:cNvPr>
@@ -862,7 +863,7 @@
           <p:cNvPr id="4" name="Date Placeholder 3">
             <a:extLst>
               <a:ext uri="{FF2B5EF4-FFF2-40B4-BE49-F238E27FC236}">
-                <a16:creationId xmlns="" xmlns:a16="http://schemas.microsoft.com/office/drawing/2014/main" id="{2C51D15A-8EA0-4F1C-9B7B-844343E1B74E}"/>
+                <a16:creationId xmlns:a16="http://schemas.microsoft.com/office/drawing/2014/main" id="{2C51D15A-8EA0-4F1C-9B7B-844343E1B74E}"/>
               </a:ext>
             </a:extLst>
           </p:cNvPr>
@@ -880,7 +881,7 @@
           <a:p>
             <a:fld id="{4109A3AE-CEB5-4D63-8C4E-0A0F41805711}" type="datetimeFigureOut">
               <a:rPr lang="en-US" smtClean="0"/>
-              <a:t>2/1/19</a:t>
+              <a:t>2/5/2019</a:t>
             </a:fld>
             <a:endParaRPr lang="en-US"/>
           </a:p>
@@ -891,7 +892,7 @@
           <p:cNvPr id="5" name="Footer Placeholder 4">
             <a:extLst>
               <a:ext uri="{FF2B5EF4-FFF2-40B4-BE49-F238E27FC236}">
-                <a16:creationId xmlns="" xmlns:a16="http://schemas.microsoft.com/office/drawing/2014/main" id="{9624C655-C281-4753-B248-83B71904E4CC}"/>
+                <a16:creationId xmlns:a16="http://schemas.microsoft.com/office/drawing/2014/main" id="{9624C655-C281-4753-B248-83B71904E4CC}"/>
               </a:ext>
             </a:extLst>
           </p:cNvPr>
@@ -916,7 +917,7 @@
           <p:cNvPr id="6" name="Slide Number Placeholder 5">
             <a:extLst>
               <a:ext uri="{FF2B5EF4-FFF2-40B4-BE49-F238E27FC236}">
-                <a16:creationId xmlns="" xmlns:a16="http://schemas.microsoft.com/office/drawing/2014/main" id="{2A066998-C518-40F2-9381-7D5418A189C1}"/>
+                <a16:creationId xmlns:a16="http://schemas.microsoft.com/office/drawing/2014/main" id="{2A066998-C518-40F2-9381-7D5418A189C1}"/>
               </a:ext>
             </a:extLst>
           </p:cNvPr>
@@ -975,7 +976,7 @@
           <p:cNvPr id="2" name="Title 1">
             <a:extLst>
               <a:ext uri="{FF2B5EF4-FFF2-40B4-BE49-F238E27FC236}">
-                <a16:creationId xmlns="" xmlns:a16="http://schemas.microsoft.com/office/drawing/2014/main" id="{75183681-8E5E-474B-8449-9F3E2662823D}"/>
+                <a16:creationId xmlns:a16="http://schemas.microsoft.com/office/drawing/2014/main" id="{75183681-8E5E-474B-8449-9F3E2662823D}"/>
               </a:ext>
             </a:extLst>
           </p:cNvPr>
@@ -1012,7 +1013,7 @@
           <p:cNvPr id="3" name="Text Placeholder 2">
             <a:extLst>
               <a:ext uri="{FF2B5EF4-FFF2-40B4-BE49-F238E27FC236}">
-                <a16:creationId xmlns="" xmlns:a16="http://schemas.microsoft.com/office/drawing/2014/main" id="{7063463B-1DD6-4F57-873B-C329AB32AC05}"/>
+                <a16:creationId xmlns:a16="http://schemas.microsoft.com/office/drawing/2014/main" id="{7063463B-1DD6-4F57-873B-C329AB32AC05}"/>
               </a:ext>
             </a:extLst>
           </p:cNvPr>
@@ -1137,7 +1138,7 @@
           <p:cNvPr id="4" name="Date Placeholder 3">
             <a:extLst>
               <a:ext uri="{FF2B5EF4-FFF2-40B4-BE49-F238E27FC236}">
-                <a16:creationId xmlns="" xmlns:a16="http://schemas.microsoft.com/office/drawing/2014/main" id="{7C326802-EB5E-4421-82C9-20594D665913}"/>
+                <a16:creationId xmlns:a16="http://schemas.microsoft.com/office/drawing/2014/main" id="{7C326802-EB5E-4421-82C9-20594D665913}"/>
               </a:ext>
             </a:extLst>
           </p:cNvPr>
@@ -1155,7 +1156,7 @@
           <a:p>
             <a:fld id="{4109A3AE-CEB5-4D63-8C4E-0A0F41805711}" type="datetimeFigureOut">
               <a:rPr lang="en-US" smtClean="0"/>
-              <a:t>2/1/19</a:t>
+              <a:t>2/5/2019</a:t>
             </a:fld>
             <a:endParaRPr lang="en-US"/>
           </a:p>
@@ -1166,7 +1167,7 @@
           <p:cNvPr id="5" name="Footer Placeholder 4">
             <a:extLst>
               <a:ext uri="{FF2B5EF4-FFF2-40B4-BE49-F238E27FC236}">
-                <a16:creationId xmlns="" xmlns:a16="http://schemas.microsoft.com/office/drawing/2014/main" id="{439F4EA7-DE69-4F26-8202-48DE86A69AAA}"/>
+                <a16:creationId xmlns:a16="http://schemas.microsoft.com/office/drawing/2014/main" id="{439F4EA7-DE69-4F26-8202-48DE86A69AAA}"/>
               </a:ext>
             </a:extLst>
           </p:cNvPr>
@@ -1191,7 +1192,7 @@
           <p:cNvPr id="6" name="Slide Number Placeholder 5">
             <a:extLst>
               <a:ext uri="{FF2B5EF4-FFF2-40B4-BE49-F238E27FC236}">
-                <a16:creationId xmlns="" xmlns:a16="http://schemas.microsoft.com/office/drawing/2014/main" id="{53C0B134-BBA9-4F58-8847-384050FB9E83}"/>
+                <a16:creationId xmlns:a16="http://schemas.microsoft.com/office/drawing/2014/main" id="{53C0B134-BBA9-4F58-8847-384050FB9E83}"/>
               </a:ext>
             </a:extLst>
           </p:cNvPr>
@@ -1250,7 +1251,7 @@
           <p:cNvPr id="2" name="Title 1">
             <a:extLst>
               <a:ext uri="{FF2B5EF4-FFF2-40B4-BE49-F238E27FC236}">
-                <a16:creationId xmlns="" xmlns:a16="http://schemas.microsoft.com/office/drawing/2014/main" id="{597045F7-FF79-4A29-B9C9-A01853D39F12}"/>
+                <a16:creationId xmlns:a16="http://schemas.microsoft.com/office/drawing/2014/main" id="{597045F7-FF79-4A29-B9C9-A01853D39F12}"/>
               </a:ext>
             </a:extLst>
           </p:cNvPr>
@@ -1278,7 +1279,7 @@
           <p:cNvPr id="3" name="Content Placeholder 2">
             <a:extLst>
               <a:ext uri="{FF2B5EF4-FFF2-40B4-BE49-F238E27FC236}">
-                <a16:creationId xmlns="" xmlns:a16="http://schemas.microsoft.com/office/drawing/2014/main" id="{15015A6E-AB44-421A-8DE9-E68F900629FC}"/>
+                <a16:creationId xmlns:a16="http://schemas.microsoft.com/office/drawing/2014/main" id="{15015A6E-AB44-421A-8DE9-E68F900629FC}"/>
               </a:ext>
             </a:extLst>
           </p:cNvPr>
@@ -1340,7 +1341,7 @@
           <p:cNvPr id="4" name="Content Placeholder 3">
             <a:extLst>
               <a:ext uri="{FF2B5EF4-FFF2-40B4-BE49-F238E27FC236}">
-                <a16:creationId xmlns="" xmlns:a16="http://schemas.microsoft.com/office/drawing/2014/main" id="{4460644D-AF50-47DC-B92F-D691F24BD08B}"/>
+                <a16:creationId xmlns:a16="http://schemas.microsoft.com/office/drawing/2014/main" id="{4460644D-AF50-47DC-B92F-D691F24BD08B}"/>
               </a:ext>
             </a:extLst>
           </p:cNvPr>
@@ -1402,7 +1403,7 @@
           <p:cNvPr id="5" name="Date Placeholder 4">
             <a:extLst>
               <a:ext uri="{FF2B5EF4-FFF2-40B4-BE49-F238E27FC236}">
-                <a16:creationId xmlns="" xmlns:a16="http://schemas.microsoft.com/office/drawing/2014/main" id="{3EC57F61-C114-4AB2-A6CF-738C432BD8A4}"/>
+                <a16:creationId xmlns:a16="http://schemas.microsoft.com/office/drawing/2014/main" id="{3EC57F61-C114-4AB2-A6CF-738C432BD8A4}"/>
               </a:ext>
             </a:extLst>
           </p:cNvPr>
@@ -1420,7 +1421,7 @@
           <a:p>
             <a:fld id="{4109A3AE-CEB5-4D63-8C4E-0A0F41805711}" type="datetimeFigureOut">
               <a:rPr lang="en-US" smtClean="0"/>
-              <a:t>2/1/19</a:t>
+              <a:t>2/5/2019</a:t>
             </a:fld>
             <a:endParaRPr lang="en-US"/>
           </a:p>
@@ -1431,7 +1432,7 @@
           <p:cNvPr id="6" name="Footer Placeholder 5">
             <a:extLst>
               <a:ext uri="{FF2B5EF4-FFF2-40B4-BE49-F238E27FC236}">
-                <a16:creationId xmlns="" xmlns:a16="http://schemas.microsoft.com/office/drawing/2014/main" id="{742E2F9E-13F1-4599-B696-4E1298263CA3}"/>
+                <a16:creationId xmlns:a16="http://schemas.microsoft.com/office/drawing/2014/main" id="{742E2F9E-13F1-4599-B696-4E1298263CA3}"/>
               </a:ext>
             </a:extLst>
           </p:cNvPr>
@@ -1456,7 +1457,7 @@
           <p:cNvPr id="7" name="Slide Number Placeholder 6">
             <a:extLst>
               <a:ext uri="{FF2B5EF4-FFF2-40B4-BE49-F238E27FC236}">
-                <a16:creationId xmlns="" xmlns:a16="http://schemas.microsoft.com/office/drawing/2014/main" id="{472D0EAA-E102-4DBA-9534-05BBB8C8C823}"/>
+                <a16:creationId xmlns:a16="http://schemas.microsoft.com/office/drawing/2014/main" id="{472D0EAA-E102-4DBA-9534-05BBB8C8C823}"/>
               </a:ext>
             </a:extLst>
           </p:cNvPr>
@@ -1515,7 +1516,7 @@
           <p:cNvPr id="2" name="Title 1">
             <a:extLst>
               <a:ext uri="{FF2B5EF4-FFF2-40B4-BE49-F238E27FC236}">
-                <a16:creationId xmlns="" xmlns:a16="http://schemas.microsoft.com/office/drawing/2014/main" id="{ECA33912-DFDC-434E-870A-16BEF9BC5C1C}"/>
+                <a16:creationId xmlns:a16="http://schemas.microsoft.com/office/drawing/2014/main" id="{ECA33912-DFDC-434E-870A-16BEF9BC5C1C}"/>
               </a:ext>
             </a:extLst>
           </p:cNvPr>
@@ -1548,7 +1549,7 @@
           <p:cNvPr id="3" name="Text Placeholder 2">
             <a:extLst>
               <a:ext uri="{FF2B5EF4-FFF2-40B4-BE49-F238E27FC236}">
-                <a16:creationId xmlns="" xmlns:a16="http://schemas.microsoft.com/office/drawing/2014/main" id="{F0ED805E-4735-4B69-8D81-4ED562165B5B}"/>
+                <a16:creationId xmlns:a16="http://schemas.microsoft.com/office/drawing/2014/main" id="{F0ED805E-4735-4B69-8D81-4ED562165B5B}"/>
               </a:ext>
             </a:extLst>
           </p:cNvPr>
@@ -1619,7 +1620,7 @@
           <p:cNvPr id="4" name="Content Placeholder 3">
             <a:extLst>
               <a:ext uri="{FF2B5EF4-FFF2-40B4-BE49-F238E27FC236}">
-                <a16:creationId xmlns="" xmlns:a16="http://schemas.microsoft.com/office/drawing/2014/main" id="{C62E0208-3A8A-481E-81E6-352BBF8422C4}"/>
+                <a16:creationId xmlns:a16="http://schemas.microsoft.com/office/drawing/2014/main" id="{C62E0208-3A8A-481E-81E6-352BBF8422C4}"/>
               </a:ext>
             </a:extLst>
           </p:cNvPr>
@@ -1681,7 +1682,7 @@
           <p:cNvPr id="5" name="Text Placeholder 4">
             <a:extLst>
               <a:ext uri="{FF2B5EF4-FFF2-40B4-BE49-F238E27FC236}">
-                <a16:creationId xmlns="" xmlns:a16="http://schemas.microsoft.com/office/drawing/2014/main" id="{9BE6BBFA-4B5E-4EB1-B8F2-D76088FFA6DB}"/>
+                <a16:creationId xmlns:a16="http://schemas.microsoft.com/office/drawing/2014/main" id="{9BE6BBFA-4B5E-4EB1-B8F2-D76088FFA6DB}"/>
               </a:ext>
             </a:extLst>
           </p:cNvPr>
@@ -1752,7 +1753,7 @@
           <p:cNvPr id="6" name="Content Placeholder 5">
             <a:extLst>
               <a:ext uri="{FF2B5EF4-FFF2-40B4-BE49-F238E27FC236}">
-                <a16:creationId xmlns="" xmlns:a16="http://schemas.microsoft.com/office/drawing/2014/main" id="{F33540AF-84C7-4839-8A35-A82249423D17}"/>
+                <a16:creationId xmlns:a16="http://schemas.microsoft.com/office/drawing/2014/main" id="{F33540AF-84C7-4839-8A35-A82249423D17}"/>
               </a:ext>
             </a:extLst>
           </p:cNvPr>
@@ -1814,7 +1815,7 @@
           <p:cNvPr id="7" name="Date Placeholder 6">
             <a:extLst>
               <a:ext uri="{FF2B5EF4-FFF2-40B4-BE49-F238E27FC236}">
-                <a16:creationId xmlns="" xmlns:a16="http://schemas.microsoft.com/office/drawing/2014/main" id="{CAF7F165-7E36-47B1-AF38-DB251AB6FF21}"/>
+                <a16:creationId xmlns:a16="http://schemas.microsoft.com/office/drawing/2014/main" id="{CAF7F165-7E36-47B1-AF38-DB251AB6FF21}"/>
               </a:ext>
             </a:extLst>
           </p:cNvPr>
@@ -1832,7 +1833,7 @@
           <a:p>
             <a:fld id="{4109A3AE-CEB5-4D63-8C4E-0A0F41805711}" type="datetimeFigureOut">
               <a:rPr lang="en-US" smtClean="0"/>
-              <a:t>2/1/19</a:t>
+              <a:t>2/5/2019</a:t>
             </a:fld>
             <a:endParaRPr lang="en-US"/>
           </a:p>
@@ -1843,7 +1844,7 @@
           <p:cNvPr id="8" name="Footer Placeholder 7">
             <a:extLst>
               <a:ext uri="{FF2B5EF4-FFF2-40B4-BE49-F238E27FC236}">
-                <a16:creationId xmlns="" xmlns:a16="http://schemas.microsoft.com/office/drawing/2014/main" id="{ECFC46E1-FDC2-4A90-925D-51C194B5C563}"/>
+                <a16:creationId xmlns:a16="http://schemas.microsoft.com/office/drawing/2014/main" id="{ECFC46E1-FDC2-4A90-925D-51C194B5C563}"/>
               </a:ext>
             </a:extLst>
           </p:cNvPr>
@@ -1868,7 +1869,7 @@
           <p:cNvPr id="9" name="Slide Number Placeholder 8">
             <a:extLst>
               <a:ext uri="{FF2B5EF4-FFF2-40B4-BE49-F238E27FC236}">
-                <a16:creationId xmlns="" xmlns:a16="http://schemas.microsoft.com/office/drawing/2014/main" id="{FF495018-FA3A-484A-BB5F-1E177D516D85}"/>
+                <a16:creationId xmlns:a16="http://schemas.microsoft.com/office/drawing/2014/main" id="{FF495018-FA3A-484A-BB5F-1E177D516D85}"/>
               </a:ext>
             </a:extLst>
           </p:cNvPr>
@@ -1927,7 +1928,7 @@
           <p:cNvPr id="2" name="Title 1">
             <a:extLst>
               <a:ext uri="{FF2B5EF4-FFF2-40B4-BE49-F238E27FC236}">
-                <a16:creationId xmlns="" xmlns:a16="http://schemas.microsoft.com/office/drawing/2014/main" id="{8A5C0D21-E241-4DFE-888B-9CD386874B88}"/>
+                <a16:creationId xmlns:a16="http://schemas.microsoft.com/office/drawing/2014/main" id="{8A5C0D21-E241-4DFE-888B-9CD386874B88}"/>
               </a:ext>
             </a:extLst>
           </p:cNvPr>
@@ -1955,7 +1956,7 @@
           <p:cNvPr id="3" name="Date Placeholder 2">
             <a:extLst>
               <a:ext uri="{FF2B5EF4-FFF2-40B4-BE49-F238E27FC236}">
-                <a16:creationId xmlns="" xmlns:a16="http://schemas.microsoft.com/office/drawing/2014/main" id="{2054FAEB-B499-4C46-A057-D823649278E7}"/>
+                <a16:creationId xmlns:a16="http://schemas.microsoft.com/office/drawing/2014/main" id="{2054FAEB-B499-4C46-A057-D823649278E7}"/>
               </a:ext>
             </a:extLst>
           </p:cNvPr>
@@ -1973,7 +1974,7 @@
           <a:p>
             <a:fld id="{4109A3AE-CEB5-4D63-8C4E-0A0F41805711}" type="datetimeFigureOut">
               <a:rPr lang="en-US" smtClean="0"/>
-              <a:t>2/1/19</a:t>
+              <a:t>2/5/2019</a:t>
             </a:fld>
             <a:endParaRPr lang="en-US"/>
           </a:p>
@@ -1984,7 +1985,7 @@
           <p:cNvPr id="4" name="Footer Placeholder 3">
             <a:extLst>
               <a:ext uri="{FF2B5EF4-FFF2-40B4-BE49-F238E27FC236}">
-                <a16:creationId xmlns="" xmlns:a16="http://schemas.microsoft.com/office/drawing/2014/main" id="{AE8200FE-854B-4DCB-9DC8-26C067E92A9B}"/>
+                <a16:creationId xmlns:a16="http://schemas.microsoft.com/office/drawing/2014/main" id="{AE8200FE-854B-4DCB-9DC8-26C067E92A9B}"/>
               </a:ext>
             </a:extLst>
           </p:cNvPr>
@@ -2009,7 +2010,7 @@
           <p:cNvPr id="5" name="Slide Number Placeholder 4">
             <a:extLst>
               <a:ext uri="{FF2B5EF4-FFF2-40B4-BE49-F238E27FC236}">
-                <a16:creationId xmlns="" xmlns:a16="http://schemas.microsoft.com/office/drawing/2014/main" id="{439D4B7F-CEC2-4CCA-9CD0-C7A9740654C6}"/>
+                <a16:creationId xmlns:a16="http://schemas.microsoft.com/office/drawing/2014/main" id="{439D4B7F-CEC2-4CCA-9CD0-C7A9740654C6}"/>
               </a:ext>
             </a:extLst>
           </p:cNvPr>
@@ -2068,7 +2069,7 @@
           <p:cNvPr id="2" name="Date Placeholder 1">
             <a:extLst>
               <a:ext uri="{FF2B5EF4-FFF2-40B4-BE49-F238E27FC236}">
-                <a16:creationId xmlns="" xmlns:a16="http://schemas.microsoft.com/office/drawing/2014/main" id="{242B8E4B-E8A4-446B-BBD2-4C200933B553}"/>
+                <a16:creationId xmlns:a16="http://schemas.microsoft.com/office/drawing/2014/main" id="{242B8E4B-E8A4-446B-BBD2-4C200933B553}"/>
               </a:ext>
             </a:extLst>
           </p:cNvPr>
@@ -2086,7 +2087,7 @@
           <a:p>
             <a:fld id="{4109A3AE-CEB5-4D63-8C4E-0A0F41805711}" type="datetimeFigureOut">
               <a:rPr lang="en-US" smtClean="0"/>
-              <a:t>2/1/19</a:t>
+              <a:t>2/5/2019</a:t>
             </a:fld>
             <a:endParaRPr lang="en-US"/>
           </a:p>
@@ -2097,7 +2098,7 @@
           <p:cNvPr id="3" name="Footer Placeholder 2">
             <a:extLst>
               <a:ext uri="{FF2B5EF4-FFF2-40B4-BE49-F238E27FC236}">
-                <a16:creationId xmlns="" xmlns:a16="http://schemas.microsoft.com/office/drawing/2014/main" id="{7AA2D251-4BBB-4611-982A-25D9F2FF18DA}"/>
+                <a16:creationId xmlns:a16="http://schemas.microsoft.com/office/drawing/2014/main" id="{7AA2D251-4BBB-4611-982A-25D9F2FF18DA}"/>
               </a:ext>
             </a:extLst>
           </p:cNvPr>
@@ -2122,7 +2123,7 @@
           <p:cNvPr id="4" name="Slide Number Placeholder 3">
             <a:extLst>
               <a:ext uri="{FF2B5EF4-FFF2-40B4-BE49-F238E27FC236}">
-                <a16:creationId xmlns="" xmlns:a16="http://schemas.microsoft.com/office/drawing/2014/main" id="{3B6C922C-ED8B-47F2-9558-44C3B3E1875D}"/>
+                <a16:creationId xmlns:a16="http://schemas.microsoft.com/office/drawing/2014/main" id="{3B6C922C-ED8B-47F2-9558-44C3B3E1875D}"/>
               </a:ext>
             </a:extLst>
           </p:cNvPr>
@@ -2181,7 +2182,7 @@
           <p:cNvPr id="2" name="Title 1">
             <a:extLst>
               <a:ext uri="{FF2B5EF4-FFF2-40B4-BE49-F238E27FC236}">
-                <a16:creationId xmlns="" xmlns:a16="http://schemas.microsoft.com/office/drawing/2014/main" id="{B7BAAD0C-3AD2-4ECE-89F7-5777B6BF0ABE}"/>
+                <a16:creationId xmlns:a16="http://schemas.microsoft.com/office/drawing/2014/main" id="{B7BAAD0C-3AD2-4ECE-89F7-5777B6BF0ABE}"/>
               </a:ext>
             </a:extLst>
           </p:cNvPr>
@@ -2218,7 +2219,7 @@
           <p:cNvPr id="3" name="Content Placeholder 2">
             <a:extLst>
               <a:ext uri="{FF2B5EF4-FFF2-40B4-BE49-F238E27FC236}">
-                <a16:creationId xmlns="" xmlns:a16="http://schemas.microsoft.com/office/drawing/2014/main" id="{068CDC6F-FF7F-4D2E-99E3-A6BEC9D50BF8}"/>
+                <a16:creationId xmlns:a16="http://schemas.microsoft.com/office/drawing/2014/main" id="{068CDC6F-FF7F-4D2E-99E3-A6BEC9D50BF8}"/>
               </a:ext>
             </a:extLst>
           </p:cNvPr>
@@ -2308,7 +2309,7 @@
           <p:cNvPr id="4" name="Text Placeholder 3">
             <a:extLst>
               <a:ext uri="{FF2B5EF4-FFF2-40B4-BE49-F238E27FC236}">
-                <a16:creationId xmlns="" xmlns:a16="http://schemas.microsoft.com/office/drawing/2014/main" id="{07CDC96F-6154-4149-8340-85BED3325DFA}"/>
+                <a16:creationId xmlns:a16="http://schemas.microsoft.com/office/drawing/2014/main" id="{07CDC96F-6154-4149-8340-85BED3325DFA}"/>
               </a:ext>
             </a:extLst>
           </p:cNvPr>
@@ -2379,7 +2380,7 @@
           <p:cNvPr id="5" name="Date Placeholder 4">
             <a:extLst>
               <a:ext uri="{FF2B5EF4-FFF2-40B4-BE49-F238E27FC236}">
-                <a16:creationId xmlns="" xmlns:a16="http://schemas.microsoft.com/office/drawing/2014/main" id="{DA685885-A8AE-4B7F-9E25-8F2468B6E81D}"/>
+                <a16:creationId xmlns:a16="http://schemas.microsoft.com/office/drawing/2014/main" id="{DA685885-A8AE-4B7F-9E25-8F2468B6E81D}"/>
               </a:ext>
             </a:extLst>
           </p:cNvPr>
@@ -2397,7 +2398,7 @@
           <a:p>
             <a:fld id="{4109A3AE-CEB5-4D63-8C4E-0A0F41805711}" type="datetimeFigureOut">
               <a:rPr lang="en-US" smtClean="0"/>
-              <a:t>2/1/19</a:t>
+              <a:t>2/5/2019</a:t>
             </a:fld>
             <a:endParaRPr lang="en-US"/>
           </a:p>
@@ -2408,7 +2409,7 @@
           <p:cNvPr id="6" name="Footer Placeholder 5">
             <a:extLst>
               <a:ext uri="{FF2B5EF4-FFF2-40B4-BE49-F238E27FC236}">
-                <a16:creationId xmlns="" xmlns:a16="http://schemas.microsoft.com/office/drawing/2014/main" id="{9E02A5BA-AC19-4934-8ED6-A41DE306CB25}"/>
+                <a16:creationId xmlns:a16="http://schemas.microsoft.com/office/drawing/2014/main" id="{9E02A5BA-AC19-4934-8ED6-A41DE306CB25}"/>
               </a:ext>
             </a:extLst>
           </p:cNvPr>
@@ -2433,7 +2434,7 @@
           <p:cNvPr id="7" name="Slide Number Placeholder 6">
             <a:extLst>
               <a:ext uri="{FF2B5EF4-FFF2-40B4-BE49-F238E27FC236}">
-                <a16:creationId xmlns="" xmlns:a16="http://schemas.microsoft.com/office/drawing/2014/main" id="{205EA19E-D768-4FAD-A61E-C87288249A0E}"/>
+                <a16:creationId xmlns:a16="http://schemas.microsoft.com/office/drawing/2014/main" id="{205EA19E-D768-4FAD-A61E-C87288249A0E}"/>
               </a:ext>
             </a:extLst>
           </p:cNvPr>
@@ -2492,7 +2493,7 @@
           <p:cNvPr id="2" name="Title 1">
             <a:extLst>
               <a:ext uri="{FF2B5EF4-FFF2-40B4-BE49-F238E27FC236}">
-                <a16:creationId xmlns="" xmlns:a16="http://schemas.microsoft.com/office/drawing/2014/main" id="{48F6670D-2C5A-4A5A-8B68-3DFE87FF25CB}"/>
+                <a16:creationId xmlns:a16="http://schemas.microsoft.com/office/drawing/2014/main" id="{48F6670D-2C5A-4A5A-8B68-3DFE87FF25CB}"/>
               </a:ext>
             </a:extLst>
           </p:cNvPr>
@@ -2529,7 +2530,7 @@
           <p:cNvPr id="3" name="Picture Placeholder 2">
             <a:extLst>
               <a:ext uri="{FF2B5EF4-FFF2-40B4-BE49-F238E27FC236}">
-                <a16:creationId xmlns="" xmlns:a16="http://schemas.microsoft.com/office/drawing/2014/main" id="{CBBDE5C0-1B84-4DAA-8BB3-71CDC26F70F6}"/>
+                <a16:creationId xmlns:a16="http://schemas.microsoft.com/office/drawing/2014/main" id="{CBBDE5C0-1B84-4DAA-8BB3-71CDC26F70F6}"/>
               </a:ext>
             </a:extLst>
           </p:cNvPr>
@@ -2596,7 +2597,7 @@
           <p:cNvPr id="4" name="Text Placeholder 3">
             <a:extLst>
               <a:ext uri="{FF2B5EF4-FFF2-40B4-BE49-F238E27FC236}">
-                <a16:creationId xmlns="" xmlns:a16="http://schemas.microsoft.com/office/drawing/2014/main" id="{1B2A8562-9280-48D0-920C-09F181A56A16}"/>
+                <a16:creationId xmlns:a16="http://schemas.microsoft.com/office/drawing/2014/main" id="{1B2A8562-9280-48D0-920C-09F181A56A16}"/>
               </a:ext>
             </a:extLst>
           </p:cNvPr>
@@ -2667,7 +2668,7 @@
           <p:cNvPr id="5" name="Date Placeholder 4">
             <a:extLst>
               <a:ext uri="{FF2B5EF4-FFF2-40B4-BE49-F238E27FC236}">
-                <a16:creationId xmlns="" xmlns:a16="http://schemas.microsoft.com/office/drawing/2014/main" id="{2BFA73D5-E3F4-4673-83ED-BE884F233A4A}"/>
+                <a16:creationId xmlns:a16="http://schemas.microsoft.com/office/drawing/2014/main" id="{2BFA73D5-E3F4-4673-83ED-BE884F233A4A}"/>
               </a:ext>
             </a:extLst>
           </p:cNvPr>
@@ -2685,7 +2686,7 @@
           <a:p>
             <a:fld id="{4109A3AE-CEB5-4D63-8C4E-0A0F41805711}" type="datetimeFigureOut">
               <a:rPr lang="en-US" smtClean="0"/>
-              <a:t>2/1/19</a:t>
+              <a:t>2/5/2019</a:t>
             </a:fld>
             <a:endParaRPr lang="en-US"/>
           </a:p>
@@ -2696,7 +2697,7 @@
           <p:cNvPr id="6" name="Footer Placeholder 5">
             <a:extLst>
               <a:ext uri="{FF2B5EF4-FFF2-40B4-BE49-F238E27FC236}">
-                <a16:creationId xmlns="" xmlns:a16="http://schemas.microsoft.com/office/drawing/2014/main" id="{EB3136A3-18EE-4695-8D1A-B17B3E818424}"/>
+                <a16:creationId xmlns:a16="http://schemas.microsoft.com/office/drawing/2014/main" id="{EB3136A3-18EE-4695-8D1A-B17B3E818424}"/>
               </a:ext>
             </a:extLst>
           </p:cNvPr>
@@ -2721,7 +2722,7 @@
           <p:cNvPr id="7" name="Slide Number Placeholder 6">
             <a:extLst>
               <a:ext uri="{FF2B5EF4-FFF2-40B4-BE49-F238E27FC236}">
-                <a16:creationId xmlns="" xmlns:a16="http://schemas.microsoft.com/office/drawing/2014/main" id="{62BDFA49-917C-476A-9350-4CC642148BB8}"/>
+                <a16:creationId xmlns:a16="http://schemas.microsoft.com/office/drawing/2014/main" id="{62BDFA49-917C-476A-9350-4CC642148BB8}"/>
               </a:ext>
             </a:extLst>
           </p:cNvPr>
@@ -2785,7 +2786,7 @@
           <p:cNvPr id="2" name="Title Placeholder 1">
             <a:extLst>
               <a:ext uri="{FF2B5EF4-FFF2-40B4-BE49-F238E27FC236}">
-                <a16:creationId xmlns="" xmlns:a16="http://schemas.microsoft.com/office/drawing/2014/main" id="{EF7B301A-3BCD-4B51-85AE-60DA5930999F}"/>
+                <a16:creationId xmlns:a16="http://schemas.microsoft.com/office/drawing/2014/main" id="{EF7B301A-3BCD-4B51-85AE-60DA5930999F}"/>
               </a:ext>
             </a:extLst>
           </p:cNvPr>
@@ -2823,7 +2824,7 @@
           <p:cNvPr id="3" name="Text Placeholder 2">
             <a:extLst>
               <a:ext uri="{FF2B5EF4-FFF2-40B4-BE49-F238E27FC236}">
-                <a16:creationId xmlns="" xmlns:a16="http://schemas.microsoft.com/office/drawing/2014/main" id="{93FC0852-6711-42B8-B2D5-DB0FD0100B25}"/>
+                <a16:creationId xmlns:a16="http://schemas.microsoft.com/office/drawing/2014/main" id="{93FC0852-6711-42B8-B2D5-DB0FD0100B25}"/>
               </a:ext>
             </a:extLst>
           </p:cNvPr>
@@ -2890,7 +2891,7 @@
           <p:cNvPr id="4" name="Date Placeholder 3">
             <a:extLst>
               <a:ext uri="{FF2B5EF4-FFF2-40B4-BE49-F238E27FC236}">
-                <a16:creationId xmlns="" xmlns:a16="http://schemas.microsoft.com/office/drawing/2014/main" id="{1F1C6DF6-9265-4ACB-95D8-C2B368E656D4}"/>
+                <a16:creationId xmlns:a16="http://schemas.microsoft.com/office/drawing/2014/main" id="{1F1C6DF6-9265-4ACB-95D8-C2B368E656D4}"/>
               </a:ext>
             </a:extLst>
           </p:cNvPr>
@@ -2926,7 +2927,7 @@
           <a:p>
             <a:fld id="{4109A3AE-CEB5-4D63-8C4E-0A0F41805711}" type="datetimeFigureOut">
               <a:rPr lang="en-US" smtClean="0"/>
-              <a:t>2/1/19</a:t>
+              <a:t>2/5/2019</a:t>
             </a:fld>
             <a:endParaRPr lang="en-US"/>
           </a:p>
@@ -2937,7 +2938,7 @@
           <p:cNvPr id="5" name="Footer Placeholder 4">
             <a:extLst>
               <a:ext uri="{FF2B5EF4-FFF2-40B4-BE49-F238E27FC236}">
-                <a16:creationId xmlns="" xmlns:a16="http://schemas.microsoft.com/office/drawing/2014/main" id="{8B5C077E-EC26-4869-BAD9-AE69516BF7E9}"/>
+                <a16:creationId xmlns:a16="http://schemas.microsoft.com/office/drawing/2014/main" id="{8B5C077E-EC26-4869-BAD9-AE69516BF7E9}"/>
               </a:ext>
             </a:extLst>
           </p:cNvPr>
@@ -2980,7 +2981,7 @@
           <p:cNvPr id="6" name="Slide Number Placeholder 5">
             <a:extLst>
               <a:ext uri="{FF2B5EF4-FFF2-40B4-BE49-F238E27FC236}">
-                <a16:creationId xmlns="" xmlns:a16="http://schemas.microsoft.com/office/drawing/2014/main" id="{388DDDA6-DFD4-4AAE-8A35-ABCFC7FE1BC6}"/>
+                <a16:creationId xmlns:a16="http://schemas.microsoft.com/office/drawing/2014/main" id="{388DDDA6-DFD4-4AAE-8A35-ABCFC7FE1BC6}"/>
               </a:ext>
             </a:extLst>
           </p:cNvPr>
@@ -3348,7 +3349,7 @@
           <p:cNvPr id="2" name="Title 1">
             <a:extLst>
               <a:ext uri="{FF2B5EF4-FFF2-40B4-BE49-F238E27FC236}">
-                <a16:creationId xmlns="" xmlns:a16="http://schemas.microsoft.com/office/drawing/2014/main" id="{795DF6DF-5674-4CF0-8560-B74D60B3FE8B}"/>
+                <a16:creationId xmlns:a16="http://schemas.microsoft.com/office/drawing/2014/main" id="{795DF6DF-5674-4CF0-8560-B74D60B3FE8B}"/>
               </a:ext>
             </a:extLst>
           </p:cNvPr>
@@ -3378,7 +3379,7 @@
           <p:cNvPr id="3" name="Subtitle 2">
             <a:extLst>
               <a:ext uri="{FF2B5EF4-FFF2-40B4-BE49-F238E27FC236}">
-                <a16:creationId xmlns="" xmlns:a16="http://schemas.microsoft.com/office/drawing/2014/main" id="{3C52D33D-F581-479E-A890-CEE3F50D28C0}"/>
+                <a16:creationId xmlns:a16="http://schemas.microsoft.com/office/drawing/2014/main" id="{3C52D33D-F581-479E-A890-CEE3F50D28C0}"/>
               </a:ext>
             </a:extLst>
           </p:cNvPr>
@@ -3503,7 +3504,7 @@
           <p:cNvPr id="3" name="Rectangle 2">
             <a:extLst>
               <a:ext uri="{FF2B5EF4-FFF2-40B4-BE49-F238E27FC236}">
-                <a16:creationId xmlns="" xmlns:a16="http://schemas.microsoft.com/office/drawing/2014/main" id="{5C7D8DAE-46E0-423B-A4C1-54DC12891A80}"/>
+                <a16:creationId xmlns:a16="http://schemas.microsoft.com/office/drawing/2014/main" id="{5C7D8DAE-46E0-423B-A4C1-54DC12891A80}"/>
               </a:ext>
             </a:extLst>
           </p:cNvPr>
@@ -3697,7 +3698,7 @@
           <p:cNvPr id="2" name="Rectangle 1">
             <a:extLst>
               <a:ext uri="{FF2B5EF4-FFF2-40B4-BE49-F238E27FC236}">
-                <a16:creationId xmlns="" xmlns:a16="http://schemas.microsoft.com/office/drawing/2014/main" id="{24120B54-FA71-46C9-875E-26DD2F501765}"/>
+                <a16:creationId xmlns:a16="http://schemas.microsoft.com/office/drawing/2014/main" id="{24120B54-FA71-46C9-875E-26DD2F501765}"/>
               </a:ext>
             </a:extLst>
           </p:cNvPr>
@@ -3743,6 +3744,188 @@
 </file>
 
 <file path=ppt/slides/slide5.xml><?xml version="1.0" encoding="utf-8"?>
+<p:sld xmlns:a="http://schemas.openxmlformats.org/drawingml/2006/main" xmlns:r="http://schemas.openxmlformats.org/officeDocument/2006/relationships" xmlns:p="http://schemas.openxmlformats.org/presentationml/2006/main">
+  <p:cSld>
+    <p:spTree>
+      <p:nvGrpSpPr>
+        <p:cNvPr id="1" name=""/>
+        <p:cNvGrpSpPr/>
+        <p:nvPr/>
+      </p:nvGrpSpPr>
+      <p:grpSpPr>
+        <a:xfrm>
+          <a:off x="0" y="0"/>
+          <a:ext cx="0" cy="0"/>
+          <a:chOff x="0" y="0"/>
+          <a:chExt cx="0" cy="0"/>
+        </a:xfrm>
+      </p:grpSpPr>
+      <p:sp>
+        <p:nvSpPr>
+          <p:cNvPr id="2" name="Rectangle 1">
+            <a:extLst>
+              <a:ext uri="{FF2B5EF4-FFF2-40B4-BE49-F238E27FC236}">
+                <a16:creationId xmlns:a16="http://schemas.microsoft.com/office/drawing/2014/main" id="{014D5F76-40E1-43C7-8AFC-C82C6092E9D9}"/>
+              </a:ext>
+            </a:extLst>
+          </p:cNvPr>
+          <p:cNvSpPr/>
+          <p:nvPr/>
+        </p:nvSpPr>
+        <p:spPr>
+          <a:xfrm>
+            <a:off x="209192" y="220205"/>
+            <a:ext cx="11022227" cy="3416320"/>
+          </a:xfrm>
+          <a:prstGeom prst="rect">
+            <a:avLst/>
+          </a:prstGeom>
+        </p:spPr>
+        <p:txBody>
+          <a:bodyPr wrap="square">
+            <a:spAutoFit/>
+          </a:bodyPr>
+          <a:lstStyle/>
+          <a:p>
+            <a:r>
+              <a:rPr lang="en-US" b="1" dirty="0"/>
+              <a:t>Uploading planet images as GEE asset</a:t>
+            </a:r>
+          </a:p>
+          <a:p>
+            <a:pPr marL="285750" indent="-285750">
+              <a:buFont typeface="Arial" panose="020B0604020202020204" pitchFamily="34" charset="0"/>
+              <a:buChar char="•"/>
+            </a:pPr>
+            <a:r>
+              <a:rPr lang="en-US" dirty="0"/>
+              <a:t>Properties of each image in </a:t>
+            </a:r>
+            <a:r>
+              <a:rPr lang="en-US" dirty="0" err="1"/>
+              <a:t>PlanetLabs</a:t>
+            </a:r>
+            <a:r>
+              <a:rPr lang="en-US" dirty="0"/>
+              <a:t> folder</a:t>
+            </a:r>
+          </a:p>
+          <a:p>
+            <a:pPr marL="742950" lvl="1" indent="-285750">
+              <a:buFont typeface="Arial" panose="020B0604020202020204" pitchFamily="34" charset="0"/>
+              <a:buChar char="•"/>
+            </a:pPr>
+            <a:r>
+              <a:rPr lang="en-US" dirty="0"/>
+              <a:t>Year</a:t>
+            </a:r>
+          </a:p>
+          <a:p>
+            <a:pPr marL="742950" lvl="1" indent="-285750">
+              <a:buFont typeface="Arial" panose="020B0604020202020204" pitchFamily="34" charset="0"/>
+              <a:buChar char="•"/>
+            </a:pPr>
+            <a:r>
+              <a:rPr lang="en-US" dirty="0"/>
+              <a:t>Month</a:t>
+            </a:r>
+          </a:p>
+          <a:p>
+            <a:pPr marL="742950" lvl="1" indent="-285750">
+              <a:buFont typeface="Arial" panose="020B0604020202020204" pitchFamily="34" charset="0"/>
+              <a:buChar char="•"/>
+            </a:pPr>
+            <a:r>
+              <a:rPr lang="en-US" dirty="0"/>
+              <a:t>Day</a:t>
+            </a:r>
+          </a:p>
+          <a:p>
+            <a:pPr marL="742950" lvl="1" indent="-285750">
+              <a:buFont typeface="Arial" panose="020B0604020202020204" pitchFamily="34" charset="0"/>
+              <a:buChar char="•"/>
+            </a:pPr>
+            <a:r>
+              <a:rPr lang="en-US" dirty="0"/>
+              <a:t>Satellite</a:t>
+            </a:r>
+          </a:p>
+          <a:p>
+            <a:pPr marL="1200150" lvl="2" indent="-285750">
+              <a:buFont typeface="Arial" panose="020B0604020202020204" pitchFamily="34" charset="0"/>
+              <a:buChar char="•"/>
+            </a:pPr>
+            <a:r>
+              <a:rPr lang="en-US" dirty="0"/>
+              <a:t>PS_analytic_4band</a:t>
+            </a:r>
+          </a:p>
+          <a:p>
+            <a:pPr marL="1200150" lvl="2" indent="-285750">
+              <a:buFont typeface="Arial" panose="020B0604020202020204" pitchFamily="34" charset="0"/>
+              <a:buChar char="•"/>
+            </a:pPr>
+            <a:r>
+              <a:rPr lang="en-US" dirty="0" err="1"/>
+              <a:t>RE_ortho_analytic</a:t>
+            </a:r>
+            <a:endParaRPr lang="en-US" dirty="0"/>
+          </a:p>
+          <a:p>
+            <a:pPr marL="1200150" lvl="2" indent="-285750">
+              <a:buFont typeface="Arial" panose="020B0604020202020204" pitchFamily="34" charset="0"/>
+              <a:buChar char="•"/>
+            </a:pPr>
+            <a:r>
+              <a:rPr lang="en-US" dirty="0" err="1"/>
+              <a:t>PS_ortho_analytic</a:t>
+            </a:r>
+            <a:endParaRPr lang="en-US" dirty="0"/>
+          </a:p>
+          <a:p>
+            <a:pPr marL="285750" indent="-285750">
+              <a:buFont typeface="Arial" panose="020B0604020202020204" pitchFamily="34" charset="0"/>
+              <a:buChar char="•"/>
+            </a:pPr>
+            <a:r>
+              <a:rPr lang="en-US" dirty="0"/>
+              <a:t>Asset name is same as the description used in downloading from Planet web site</a:t>
+            </a:r>
+          </a:p>
+          <a:p>
+            <a:pPr marL="285750" indent="-285750">
+              <a:buFont typeface="Arial" panose="020B0604020202020204" pitchFamily="34" charset="0"/>
+              <a:buChar char="•"/>
+            </a:pPr>
+            <a:r>
+              <a:rPr lang="en-US" dirty="0"/>
+              <a:t>Lookup table in desktop has Planet order number </a:t>
+            </a:r>
+            <a:r>
+              <a:rPr lang="en-US"/>
+              <a:t>and description and GEE asset name</a:t>
+            </a:r>
+            <a:endParaRPr lang="en-US" dirty="0"/>
+          </a:p>
+          <a:p>
+            <a:endParaRPr lang="en-US" dirty="0"/>
+          </a:p>
+        </p:txBody>
+      </p:sp>
+    </p:spTree>
+    <p:extLst>
+      <p:ext uri="{BB962C8B-B14F-4D97-AF65-F5344CB8AC3E}">
+        <p14:creationId xmlns:p14="http://schemas.microsoft.com/office/powerpoint/2010/main" val="2080121127"/>
+      </p:ext>
+    </p:extLst>
+  </p:cSld>
+  <p:clrMapOvr>
+    <a:masterClrMapping/>
+  </p:clrMapOvr>
+</p:sld>
+</file>
+
+<file path=ppt/slides/slide6.xml><?xml version="1.0" encoding="utf-8"?>
 <p:sld xmlns:a="http://schemas.openxmlformats.org/drawingml/2006/main" xmlns:r="http://schemas.openxmlformats.org/officeDocument/2006/relationships" xmlns:p="http://schemas.openxmlformats.org/presentationml/2006/main">
   <p:cSld>
     <p:bg>
@@ -3809,7 +3992,7 @@
 </p:sld>
 </file>
 
-<file path=ppt/slides/slide6.xml><?xml version="1.0" encoding="utf-8"?>
+<file path=ppt/slides/slide7.xml><?xml version="1.0" encoding="utf-8"?>
 <p:sld xmlns:a="http://schemas.openxmlformats.org/drawingml/2006/main" xmlns:r="http://schemas.openxmlformats.org/officeDocument/2006/relationships" xmlns:p="http://schemas.openxmlformats.org/presentationml/2006/main">
   <p:cSld>
     <p:spTree>
@@ -3834,7 +4017,7 @@
         </p:nvSpPr>
         <p:spPr>
           <a:xfrm>
-            <a:off x="457549" y="597647"/>
+            <a:off x="448757" y="289679"/>
             <a:ext cx="10497496" cy="3139321"/>
           </a:xfrm>
           <a:prstGeom prst="rect">
@@ -3863,11 +4046,7 @@
             </a:pPr>
             <a:r>
               <a:rPr lang="en-US" dirty="0"/>
-              <a:t>Connect Planet to </a:t>
-            </a:r>
-            <a:r>
-              <a:rPr lang="en-US" dirty="0" smtClean="0"/>
-              <a:t>GEE</a:t>
+              <a:t>Connect Planet to GEE</a:t>
             </a:r>
           </a:p>
           <a:p>
@@ -3876,14 +4055,9 @@
               <a:buChar char="-"/>
             </a:pPr>
             <a:r>
-              <a:rPr lang="en-US" dirty="0" smtClean="0"/>
-              <a:t>Under OBIA script in GEE training, for object based image analysis, see if can automatically get me </a:t>
-            </a:r>
-            <a:r>
-              <a:rPr lang="en-US" smtClean="0"/>
-              <a:t>individual fields</a:t>
-            </a:r>
-            <a:endParaRPr lang="en-US" dirty="0" smtClean="0"/>
+              <a:rPr lang="en-US" dirty="0"/>
+              <a:t>Under OBIA script in GEE training, for object based image analysis, see if can automatically get me individual fields</a:t>
+            </a:r>
           </a:p>
           <a:p>
             <a:pPr marL="285750" indent="-285750">
@@ -3891,10 +4065,9 @@
               <a:buChar char="-"/>
             </a:pPr>
             <a:r>
-              <a:rPr lang="en-US" dirty="0" smtClean="0"/>
+              <a:rPr lang="en-US" dirty="0"/>
               <a:t>For classification Jake’s way: combine all years’ data to train one giant classifier instead of training and classifying for specific years’ data? (that way can use one year’s training points to classify another year)</a:t>
             </a:r>
-            <a:endParaRPr lang="en-US" dirty="0"/>
           </a:p>
           <a:p>
             <a:pPr marL="285750" indent="-285750">
@@ -3946,7 +4119,7 @@
         </p:nvSpPr>
         <p:spPr>
           <a:xfrm>
-            <a:off x="1480149" y="4328906"/>
+            <a:off x="2966048" y="3924460"/>
             <a:ext cx="6096000" cy="2308324"/>
           </a:xfrm>
           <a:prstGeom prst="rect">
@@ -4074,7 +4247,7 @@
 </p:sld>
 </file>
 
-<file path=ppt/slides/slide7.xml><?xml version="1.0" encoding="utf-8"?>
+<file path=ppt/slides/slide8.xml><?xml version="1.0" encoding="utf-8"?>
 <p:sld xmlns:a="http://schemas.openxmlformats.org/drawingml/2006/main" xmlns:r="http://schemas.openxmlformats.org/officeDocument/2006/relationships" xmlns:p="http://schemas.openxmlformats.org/presentationml/2006/main">
   <p:cSld>
     <p:spTree>
@@ -4473,7 +4646,7 @@
   <a:extraClrSchemeLst/>
   <a:extLst>
     <a:ext uri="{05A4C25C-085E-4340-85A3-A5531E510DB2}">
-      <thm15:themeFamily xmlns="" xmlns:thm15="http://schemas.microsoft.com/office/thememl/2012/main" name="Office Theme" id="{62F939B6-93AF-4DB8-9C6B-D6C7DFDC589F}" vid="{4A3C46E8-61CC-4603-A589-7422A47A8E4A}"/>
+      <thm15:themeFamily xmlns:thm15="http://schemas.microsoft.com/office/thememl/2012/main" name="Office Theme" id="{62F939B6-93AF-4DB8-9C6B-D6C7DFDC589F}" vid="{4A3C46E8-61CC-4603-A589-7422A47A8E4A}"/>
     </a:ext>
   </a:extLst>
 </a:theme>

--- a/Feb 7 2019.pptx
+++ b/Feb 7 2019.pptx
@@ -277,7 +277,7 @@
           <a:p>
             <a:fld id="{4109A3AE-CEB5-4D63-8C4E-0A0F41805711}" type="datetimeFigureOut">
               <a:rPr lang="en-US" smtClean="0"/>
-              <a:t>2/5/2019</a:t>
+              <a:t>2/6/2019</a:t>
             </a:fld>
             <a:endParaRPr lang="en-US"/>
           </a:p>
@@ -475,7 +475,7 @@
           <a:p>
             <a:fld id="{4109A3AE-CEB5-4D63-8C4E-0A0F41805711}" type="datetimeFigureOut">
               <a:rPr lang="en-US" smtClean="0"/>
-              <a:t>2/5/2019</a:t>
+              <a:t>2/6/2019</a:t>
             </a:fld>
             <a:endParaRPr lang="en-US"/>
           </a:p>
@@ -683,7 +683,7 @@
           <a:p>
             <a:fld id="{4109A3AE-CEB5-4D63-8C4E-0A0F41805711}" type="datetimeFigureOut">
               <a:rPr lang="en-US" smtClean="0"/>
-              <a:t>2/5/2019</a:t>
+              <a:t>2/6/2019</a:t>
             </a:fld>
             <a:endParaRPr lang="en-US"/>
           </a:p>
@@ -881,7 +881,7 @@
           <a:p>
             <a:fld id="{4109A3AE-CEB5-4D63-8C4E-0A0F41805711}" type="datetimeFigureOut">
               <a:rPr lang="en-US" smtClean="0"/>
-              <a:t>2/5/2019</a:t>
+              <a:t>2/6/2019</a:t>
             </a:fld>
             <a:endParaRPr lang="en-US"/>
           </a:p>
@@ -1156,7 +1156,7 @@
           <a:p>
             <a:fld id="{4109A3AE-CEB5-4D63-8C4E-0A0F41805711}" type="datetimeFigureOut">
               <a:rPr lang="en-US" smtClean="0"/>
-              <a:t>2/5/2019</a:t>
+              <a:t>2/6/2019</a:t>
             </a:fld>
             <a:endParaRPr lang="en-US"/>
           </a:p>
@@ -1421,7 +1421,7 @@
           <a:p>
             <a:fld id="{4109A3AE-CEB5-4D63-8C4E-0A0F41805711}" type="datetimeFigureOut">
               <a:rPr lang="en-US" smtClean="0"/>
-              <a:t>2/5/2019</a:t>
+              <a:t>2/6/2019</a:t>
             </a:fld>
             <a:endParaRPr lang="en-US"/>
           </a:p>
@@ -1833,7 +1833,7 @@
           <a:p>
             <a:fld id="{4109A3AE-CEB5-4D63-8C4E-0A0F41805711}" type="datetimeFigureOut">
               <a:rPr lang="en-US" smtClean="0"/>
-              <a:t>2/5/2019</a:t>
+              <a:t>2/6/2019</a:t>
             </a:fld>
             <a:endParaRPr lang="en-US"/>
           </a:p>
@@ -1974,7 +1974,7 @@
           <a:p>
             <a:fld id="{4109A3AE-CEB5-4D63-8C4E-0A0F41805711}" type="datetimeFigureOut">
               <a:rPr lang="en-US" smtClean="0"/>
-              <a:t>2/5/2019</a:t>
+              <a:t>2/6/2019</a:t>
             </a:fld>
             <a:endParaRPr lang="en-US"/>
           </a:p>
@@ -2087,7 +2087,7 @@
           <a:p>
             <a:fld id="{4109A3AE-CEB5-4D63-8C4E-0A0F41805711}" type="datetimeFigureOut">
               <a:rPr lang="en-US" smtClean="0"/>
-              <a:t>2/5/2019</a:t>
+              <a:t>2/6/2019</a:t>
             </a:fld>
             <a:endParaRPr lang="en-US"/>
           </a:p>
@@ -2398,7 +2398,7 @@
           <a:p>
             <a:fld id="{4109A3AE-CEB5-4D63-8C4E-0A0F41805711}" type="datetimeFigureOut">
               <a:rPr lang="en-US" smtClean="0"/>
-              <a:t>2/5/2019</a:t>
+              <a:t>2/6/2019</a:t>
             </a:fld>
             <a:endParaRPr lang="en-US"/>
           </a:p>
@@ -2686,7 +2686,7 @@
           <a:p>
             <a:fld id="{4109A3AE-CEB5-4D63-8C4E-0A0F41805711}" type="datetimeFigureOut">
               <a:rPr lang="en-US" smtClean="0"/>
-              <a:t>2/5/2019</a:t>
+              <a:t>2/6/2019</a:t>
             </a:fld>
             <a:endParaRPr lang="en-US"/>
           </a:p>
@@ -2927,7 +2927,7 @@
           <a:p>
             <a:fld id="{4109A3AE-CEB5-4D63-8C4E-0A0F41805711}" type="datetimeFigureOut">
               <a:rPr lang="en-US" smtClean="0"/>
-              <a:t>2/5/2019</a:t>
+              <a:t>2/6/2019</a:t>
             </a:fld>
             <a:endParaRPr lang="en-US"/>
           </a:p>
